--- a/Other/C# Project-Final.pptx
+++ b/Other/C# Project-Final.pptx
@@ -214,7 +214,7 @@
           <a:p>
             <a:fld id="{E800020C-8D7C-4561-B568-FBC8D0EAF1DF}" type="datetimeFigureOut">
               <a:rPr lang="en-US" smtClean="0"/>
-              <a:t>3/6/2018</a:t>
+              <a:t>3/6/18</a:t>
             </a:fld>
             <a:endParaRPr lang="en-US"/>
           </a:p>
@@ -2070,7 +2070,7 @@
           </a:ln>
           <a:extLst>
             <a:ext uri="{C572A759-6A51-4108-AA02-DFA0A04FC94B}">
-              <ma14:wrappingTextBoxFlag xmlns="" xmlns:ma14="http://schemas.microsoft.com/office/mac/drawingml/2011/main" val="1"/>
+              <ma14:wrappingTextBoxFlag xmlns:ma14="http://schemas.microsoft.com/office/mac/drawingml/2011/main" xmlns="" val="1"/>
             </a:ext>
           </a:extLst>
         </p:spPr>
@@ -2116,7 +2116,7 @@
           </a:ln>
           <a:extLst>
             <a:ext uri="{C572A759-6A51-4108-AA02-DFA0A04FC94B}">
-              <ma14:wrappingTextBoxFlag xmlns="" xmlns:ma14="http://schemas.microsoft.com/office/mac/drawingml/2011/main" val="1"/>
+              <ma14:wrappingTextBoxFlag xmlns:ma14="http://schemas.microsoft.com/office/mac/drawingml/2011/main" xmlns="" val="1"/>
             </a:ext>
           </a:extLst>
         </p:spPr>
@@ -5205,13 +5205,40 @@
                 <a:defRPr/>
               </a:pPr>
               <a:r>
+                <a:rPr lang="nl-NL" sz="900" dirty="0" err="1">
+                  <a:solidFill>
+                    <a:srgbClr val="002776"/>
+                  </a:solidFill>
+                  <a:latin typeface="Arial"/>
+                </a:rPr>
+                <a:t>Automatically</a:t>
+              </a:r>
+              <a:r>
                 <a:rPr lang="nl-NL" sz="900" dirty="0">
                   <a:solidFill>
                     <a:srgbClr val="002776"/>
                   </a:solidFill>
                   <a:latin typeface="Arial"/>
                 </a:rPr>
-                <a:t>Add salt to protect against Rainow Tables (pre-computed hashes)</a:t>
+                <a:t> </a:t>
+              </a:r>
+              <a:r>
+                <a:rPr lang="nl-NL" sz="900">
+                  <a:solidFill>
+                    <a:srgbClr val="002776"/>
+                  </a:solidFill>
+                  <a:latin typeface="Arial"/>
+                </a:rPr>
+                <a:t>adds</a:t>
+              </a:r>
+              <a:r>
+                <a:rPr lang="nl-NL" sz="900" dirty="0">
+                  <a:solidFill>
+                    <a:srgbClr val="002776"/>
+                  </a:solidFill>
+                  <a:latin typeface="Arial"/>
+                </a:rPr>
+                <a:t> salt to protect against Rainow Tables (pre-computed hashes)</a:t>
               </a:r>
             </a:p>
             <a:p>
@@ -8049,7 +8076,7 @@
           </a:ln>
           <a:extLst>
             <a:ext uri="{C572A759-6A51-4108-AA02-DFA0A04FC94B}">
-              <ma14:wrappingTextBoxFlag xmlns="" xmlns:ma14="http://schemas.microsoft.com/office/mac/drawingml/2011/main" val="1"/>
+              <ma14:wrappingTextBoxFlag xmlns:ma14="http://schemas.microsoft.com/office/mac/drawingml/2011/main" xmlns="" val="1"/>
             </a:ext>
           </a:extLst>
         </p:spPr>
@@ -8412,7 +8439,7 @@
             </a:pPr>
             <a:r>
               <a:rPr lang="en-US" dirty="0"/>
-              <a:t>Implemented AES and Hashing to the ATM service</a:t>
+              <a:t>Implemented hashing to the ATM service</a:t>
             </a:r>
           </a:p>
           <a:p>

--- a/Other/C# Project-Final.pptx
+++ b/Other/C# Project-Final.pptx
@@ -5,27 +5,29 @@
     <p:sldMasterId id="2147483660" r:id="rId1"/>
   </p:sldMasterIdLst>
   <p:notesMasterIdLst>
-    <p:notesMasterId r:id="rId20"/>
+    <p:notesMasterId r:id="rId22"/>
   </p:notesMasterIdLst>
   <p:sldIdLst>
     <p:sldId id="257" r:id="rId2"/>
     <p:sldId id="271" r:id="rId3"/>
     <p:sldId id="275" r:id="rId4"/>
     <p:sldId id="259" r:id="rId5"/>
-    <p:sldId id="281" r:id="rId6"/>
-    <p:sldId id="267" r:id="rId7"/>
-    <p:sldId id="287" r:id="rId8"/>
-    <p:sldId id="279" r:id="rId9"/>
-    <p:sldId id="278" r:id="rId10"/>
-    <p:sldId id="288" r:id="rId11"/>
-    <p:sldId id="289" r:id="rId12"/>
-    <p:sldId id="270" r:id="rId13"/>
-    <p:sldId id="284" r:id="rId14"/>
-    <p:sldId id="276" r:id="rId15"/>
-    <p:sldId id="274" r:id="rId16"/>
-    <p:sldId id="272" r:id="rId17"/>
-    <p:sldId id="290" r:id="rId18"/>
-    <p:sldId id="285" r:id="rId19"/>
+    <p:sldId id="292" r:id="rId6"/>
+    <p:sldId id="293" r:id="rId7"/>
+    <p:sldId id="294" r:id="rId8"/>
+    <p:sldId id="267" r:id="rId9"/>
+    <p:sldId id="287" r:id="rId10"/>
+    <p:sldId id="279" r:id="rId11"/>
+    <p:sldId id="278" r:id="rId12"/>
+    <p:sldId id="288" r:id="rId13"/>
+    <p:sldId id="289" r:id="rId14"/>
+    <p:sldId id="270" r:id="rId15"/>
+    <p:sldId id="284" r:id="rId16"/>
+    <p:sldId id="276" r:id="rId17"/>
+    <p:sldId id="274" r:id="rId18"/>
+    <p:sldId id="272" r:id="rId19"/>
+    <p:sldId id="290" r:id="rId20"/>
+    <p:sldId id="285" r:id="rId21"/>
   </p:sldIdLst>
   <p:sldSz cx="9144000" cy="5143500" type="screen16x9"/>
   <p:notesSz cx="6858000" cy="9144000"/>
@@ -214,7 +216,7 @@
           <a:p>
             <a:fld id="{E800020C-8D7C-4561-B568-FBC8D0EAF1DF}" type="datetimeFigureOut">
               <a:rPr lang="en-US" smtClean="0"/>
-              <a:t>3/6/18</a:t>
+              <a:t>3/7/2018</a:t>
             </a:fld>
             <a:endParaRPr lang="en-US"/>
           </a:p>
@@ -630,7 +632,7 @@
           <a:p>
             <a:fld id="{9DF7353F-A8B1-4751-A2C3-3554818E4080}" type="slidenum">
               <a:rPr lang="en-US" smtClean="0"/>
-              <a:t>14</a:t>
+              <a:t>16</a:t>
             </a:fld>
             <a:endParaRPr lang="en-US"/>
           </a:p>
@@ -714,7 +716,7 @@
           <a:p>
             <a:fld id="{9DF7353F-A8B1-4751-A2C3-3554818E4080}" type="slidenum">
               <a:rPr lang="en-US" smtClean="0"/>
-              <a:t>15</a:t>
+              <a:t>17</a:t>
             </a:fld>
             <a:endParaRPr lang="en-US"/>
           </a:p>
@@ -2070,7 +2072,7 @@
           </a:ln>
           <a:extLst>
             <a:ext uri="{C572A759-6A51-4108-AA02-DFA0A04FC94B}">
-              <ma14:wrappingTextBoxFlag xmlns:ma14="http://schemas.microsoft.com/office/mac/drawingml/2011/main" xmlns="" val="1"/>
+              <ma14:wrappingTextBoxFlag xmlns="" xmlns:ma14="http://schemas.microsoft.com/office/mac/drawingml/2011/main" val="1"/>
             </a:ext>
           </a:extLst>
         </p:spPr>
@@ -2116,7 +2118,7 @@
           </a:ln>
           <a:extLst>
             <a:ext uri="{C572A759-6A51-4108-AA02-DFA0A04FC94B}">
-              <ma14:wrappingTextBoxFlag xmlns:ma14="http://schemas.microsoft.com/office/mac/drawingml/2011/main" xmlns="" val="1"/>
+              <ma14:wrappingTextBoxFlag xmlns="" xmlns:ma14="http://schemas.microsoft.com/office/mac/drawingml/2011/main" val="1"/>
             </a:ext>
           </a:extLst>
         </p:spPr>
@@ -2745,6 +2747,488 @@
           <p:cNvPr id="2" name="Content Placeholder 1">
             <a:extLst>
               <a:ext uri="{FF2B5EF4-FFF2-40B4-BE49-F238E27FC236}">
+                <a16:creationId xmlns:a16="http://schemas.microsoft.com/office/drawing/2014/main" id="{B5F4B677-C096-484A-8232-53D730D5819B}"/>
+              </a:ext>
+            </a:extLst>
+          </p:cNvPr>
+          <p:cNvSpPr>
+            <a:spLocks noGrp="1"/>
+          </p:cNvSpPr>
+          <p:nvPr>
+            <p:ph idx="1"/>
+          </p:nvPr>
+        </p:nvSpPr>
+        <p:spPr/>
+        <p:txBody>
+          <a:bodyPr/>
+          <a:lstStyle/>
+          <a:p>
+            <a:endParaRPr lang="en-US" dirty="0"/>
+          </a:p>
+          <a:p>
+            <a:r>
+              <a:rPr lang="en-US" dirty="0"/>
+              <a:t>After signing in, the</a:t>
+            </a:r>
+          </a:p>
+          <a:p>
+            <a:pPr marL="0" indent="0">
+              <a:buNone/>
+            </a:pPr>
+            <a:r>
+              <a:rPr lang="en-US" dirty="0"/>
+              <a:t>top banner will contain </a:t>
+            </a:r>
+          </a:p>
+          <a:p>
+            <a:pPr marL="0" indent="0">
+              <a:buNone/>
+            </a:pPr>
+            <a:r>
+              <a:rPr lang="en-US" dirty="0"/>
+              <a:t>the ATM bills in storage</a:t>
+            </a:r>
+          </a:p>
+          <a:p>
+            <a:pPr marL="0" indent="0">
+              <a:buNone/>
+            </a:pPr>
+            <a:r>
+              <a:rPr lang="en-US" dirty="0"/>
+              <a:t>and a logout button</a:t>
+            </a:r>
+          </a:p>
+          <a:p>
+            <a:r>
+              <a:rPr lang="en-US" dirty="0"/>
+              <a:t>The main interface </a:t>
+            </a:r>
+          </a:p>
+          <a:p>
+            <a:pPr marL="0" indent="0">
+              <a:buNone/>
+            </a:pPr>
+            <a:r>
+              <a:rPr lang="en-US" dirty="0"/>
+              <a:t>connects the user to </a:t>
+            </a:r>
+          </a:p>
+          <a:p>
+            <a:pPr marL="0" indent="0">
+              <a:buNone/>
+            </a:pPr>
+            <a:r>
+              <a:rPr lang="en-US" dirty="0"/>
+              <a:t>the main functionalities</a:t>
+            </a:r>
+          </a:p>
+          <a:p>
+            <a:pPr marL="0" indent="0">
+              <a:buNone/>
+            </a:pPr>
+            <a:r>
+              <a:rPr lang="en-US" dirty="0"/>
+              <a:t>of the ATM.</a:t>
+            </a:r>
+          </a:p>
+          <a:p>
+            <a:endParaRPr lang="en-US" dirty="0"/>
+          </a:p>
+          <a:p>
+            <a:pPr marL="0" indent="0">
+              <a:buNone/>
+            </a:pPr>
+            <a:endParaRPr lang="en-US" dirty="0"/>
+          </a:p>
+        </p:txBody>
+      </p:sp>
+      <p:sp>
+        <p:nvSpPr>
+          <p:cNvPr id="3" name="Footer Placeholder 2">
+            <a:extLst>
+              <a:ext uri="{FF2B5EF4-FFF2-40B4-BE49-F238E27FC236}">
+                <a16:creationId xmlns:a16="http://schemas.microsoft.com/office/drawing/2014/main" id="{82904DFD-F6ED-4D09-AD00-9957689A674C}"/>
+              </a:ext>
+            </a:extLst>
+          </p:cNvPr>
+          <p:cNvSpPr>
+            <a:spLocks noGrp="1"/>
+          </p:cNvSpPr>
+          <p:nvPr>
+            <p:ph type="ftr" sz="quarter" idx="11"/>
+          </p:nvPr>
+        </p:nvSpPr>
+        <p:spPr/>
+        <p:txBody>
+          <a:bodyPr/>
+          <a:lstStyle/>
+          <a:p>
+            <a:r>
+              <a:rPr lang="en-US"/>
+              <a:t>Group Four</a:t>
+            </a:r>
+            <a:endParaRPr lang="en-US" dirty="0"/>
+          </a:p>
+        </p:txBody>
+      </p:sp>
+      <p:sp>
+        <p:nvSpPr>
+          <p:cNvPr id="4" name="Title 3">
+            <a:extLst>
+              <a:ext uri="{FF2B5EF4-FFF2-40B4-BE49-F238E27FC236}">
+                <a16:creationId xmlns:a16="http://schemas.microsoft.com/office/drawing/2014/main" id="{49362256-95FC-42F8-B14E-A28E301EC875}"/>
+              </a:ext>
+            </a:extLst>
+          </p:cNvPr>
+          <p:cNvSpPr>
+            <a:spLocks noGrp="1"/>
+          </p:cNvSpPr>
+          <p:nvPr>
+            <p:ph type="title"/>
+          </p:nvPr>
+        </p:nvSpPr>
+        <p:spPr/>
+        <p:txBody>
+          <a:bodyPr/>
+          <a:lstStyle/>
+          <a:p>
+            <a:r>
+              <a:rPr lang="en-US" dirty="0"/>
+              <a:t>Main Interface</a:t>
+            </a:r>
+          </a:p>
+        </p:txBody>
+      </p:sp>
+      <p:sp>
+        <p:nvSpPr>
+          <p:cNvPr id="5" name="Slide Number Placeholder 4">
+            <a:extLst>
+              <a:ext uri="{FF2B5EF4-FFF2-40B4-BE49-F238E27FC236}">
+                <a16:creationId xmlns:a16="http://schemas.microsoft.com/office/drawing/2014/main" id="{F54E5DDE-8862-4CE2-9091-AD591B14AEE3}"/>
+              </a:ext>
+            </a:extLst>
+          </p:cNvPr>
+          <p:cNvSpPr>
+            <a:spLocks noGrp="1"/>
+          </p:cNvSpPr>
+          <p:nvPr>
+            <p:ph type="sldNum" sz="quarter" idx="12"/>
+          </p:nvPr>
+        </p:nvSpPr>
+        <p:spPr/>
+        <p:txBody>
+          <a:bodyPr/>
+          <a:lstStyle/>
+          <a:p>
+            <a:fld id="{F2407EE3-A7AD-4D85-AA70-E0A9F1A7BE8D}" type="slidenum">
+              <a:rPr lang="en-US" smtClean="0"/>
+              <a:pPr/>
+              <a:t>10</a:t>
+            </a:fld>
+            <a:endParaRPr lang="en-US" dirty="0"/>
+          </a:p>
+        </p:txBody>
+      </p:sp>
+      <p:pic>
+        <p:nvPicPr>
+          <p:cNvPr id="7" name="Picture 6">
+            <a:extLst>
+              <a:ext uri="{FF2B5EF4-FFF2-40B4-BE49-F238E27FC236}">
+                <a16:creationId xmlns:a16="http://schemas.microsoft.com/office/drawing/2014/main" id="{200681D3-4D5A-4D71-9086-382BA7FE0111}"/>
+              </a:ext>
+            </a:extLst>
+          </p:cNvPr>
+          <p:cNvPicPr/>
+          <p:nvPr/>
+        </p:nvPicPr>
+        <p:blipFill>
+          <a:blip r:embed="rId2"/>
+          <a:stretch>
+            <a:fillRect/>
+          </a:stretch>
+        </p:blipFill>
+        <p:spPr>
+          <a:xfrm>
+            <a:off x="3719071" y="1298602"/>
+            <a:ext cx="4771785" cy="3036456"/>
+          </a:xfrm>
+          <a:prstGeom prst="rect">
+            <a:avLst/>
+          </a:prstGeom>
+        </p:spPr>
+      </p:pic>
+      <p:pic>
+        <p:nvPicPr>
+          <p:cNvPr id="8" name="Picture 7">
+            <a:extLst>
+              <a:ext uri="{FF2B5EF4-FFF2-40B4-BE49-F238E27FC236}">
+                <a16:creationId xmlns:a16="http://schemas.microsoft.com/office/drawing/2014/main" id="{7301379D-2E0A-4F4C-A53D-CBE26D3073FB}"/>
+              </a:ext>
+            </a:extLst>
+          </p:cNvPr>
+          <p:cNvPicPr/>
+          <p:nvPr/>
+        </p:nvPicPr>
+        <p:blipFill rotWithShape="1">
+          <a:blip r:embed="rId3"/>
+          <a:srcRect b="15164"/>
+          <a:stretch/>
+        </p:blipFill>
+        <p:spPr>
+          <a:xfrm>
+            <a:off x="485335" y="808442"/>
+            <a:ext cx="7837713" cy="490160"/>
+          </a:xfrm>
+          <a:prstGeom prst="rect">
+            <a:avLst/>
+          </a:prstGeom>
+        </p:spPr>
+      </p:pic>
+      <p:grpSp>
+        <p:nvGrpSpPr>
+          <p:cNvPr id="9" name="Group 89">
+            <a:extLst>
+              <a:ext uri="{FF2B5EF4-FFF2-40B4-BE49-F238E27FC236}">
+                <a16:creationId xmlns:a16="http://schemas.microsoft.com/office/drawing/2014/main" id="{76B755F1-95F9-4277-9734-9CA2E0828CAD}"/>
+              </a:ext>
+            </a:extLst>
+          </p:cNvPr>
+          <p:cNvGrpSpPr>
+            <a:grpSpLocks/>
+          </p:cNvGrpSpPr>
+          <p:nvPr/>
+        </p:nvGrpSpPr>
+        <p:grpSpPr bwMode="auto">
+          <a:xfrm>
+            <a:off x="7643747" y="320040"/>
+            <a:ext cx="1079599" cy="161925"/>
+            <a:chOff x="852" y="3385"/>
+            <a:chExt cx="906" cy="136"/>
+          </a:xfrm>
+          <a:solidFill>
+            <a:schemeClr val="accent2">
+              <a:lumMod val="75000"/>
+            </a:schemeClr>
+          </a:solidFill>
+        </p:grpSpPr>
+        <p:sp>
+          <p:nvSpPr>
+            <p:cNvPr id="10" name="AutoShape 90">
+              <a:extLst>
+                <a:ext uri="{FF2B5EF4-FFF2-40B4-BE49-F238E27FC236}">
+                  <a16:creationId xmlns:a16="http://schemas.microsoft.com/office/drawing/2014/main" id="{AF74C720-BC31-4593-B1E9-FE0A2A749F3C}"/>
+                </a:ext>
+              </a:extLst>
+            </p:cNvPr>
+            <p:cNvSpPr>
+              <a:spLocks noChangeArrowheads="1"/>
+            </p:cNvSpPr>
+            <p:nvPr/>
+          </p:nvSpPr>
+          <p:spPr bwMode="auto">
+            <a:xfrm>
+              <a:off x="1079" y="3385"/>
+              <a:ext cx="226" cy="136"/>
+            </a:xfrm>
+            <a:prstGeom prst="chevron">
+              <a:avLst>
+                <a:gd name="adj" fmla="val 41544"/>
+              </a:avLst>
+            </a:prstGeom>
+            <a:solidFill>
+              <a:srgbClr val="002060"/>
+            </a:solidFill>
+            <a:ln w="6350" algn="ctr">
+              <a:solidFill>
+                <a:srgbClr val="002060"/>
+              </a:solidFill>
+              <a:miter lim="800000"/>
+              <a:headEnd type="none" w="sm" len="sm"/>
+              <a:tailEnd type="none" w="med" len="lg"/>
+            </a:ln>
+          </p:spPr>
+          <p:txBody>
+            <a:bodyPr tIns="68580" bIns="68580" anchor="ctr"/>
+            <a:lstStyle/>
+            <a:p>
+              <a:pPr algn="ctr">
+                <a:defRPr/>
+              </a:pPr>
+              <a:endParaRPr lang="en-GB" sz="1214" dirty="0"/>
+            </a:p>
+          </p:txBody>
+        </p:sp>
+        <p:sp>
+          <p:nvSpPr>
+            <p:cNvPr id="11" name="AutoShape 91">
+              <a:extLst>
+                <a:ext uri="{FF2B5EF4-FFF2-40B4-BE49-F238E27FC236}">
+                  <a16:creationId xmlns:a16="http://schemas.microsoft.com/office/drawing/2014/main" id="{81655CC4-6E16-4C77-B76A-CFD311303690}"/>
+                </a:ext>
+              </a:extLst>
+            </p:cNvPr>
+            <p:cNvSpPr>
+              <a:spLocks noChangeArrowheads="1"/>
+            </p:cNvSpPr>
+            <p:nvPr/>
+          </p:nvSpPr>
+          <p:spPr bwMode="auto">
+            <a:xfrm>
+              <a:off x="1306" y="3385"/>
+              <a:ext cx="225" cy="136"/>
+            </a:xfrm>
+            <a:prstGeom prst="chevron">
+              <a:avLst>
+                <a:gd name="adj" fmla="val 41544"/>
+              </a:avLst>
+            </a:prstGeom>
+            <a:noFill/>
+            <a:ln w="6350" algn="ctr">
+              <a:solidFill>
+                <a:srgbClr val="002060"/>
+              </a:solidFill>
+              <a:miter lim="800000"/>
+              <a:headEnd type="none" w="sm" len="sm"/>
+              <a:tailEnd type="none" w="med" len="lg"/>
+            </a:ln>
+          </p:spPr>
+          <p:txBody>
+            <a:bodyPr tIns="68580" bIns="68580" anchor="ctr"/>
+            <a:lstStyle/>
+            <a:p>
+              <a:pPr algn="ctr">
+                <a:defRPr/>
+              </a:pPr>
+              <a:endParaRPr lang="en-GB" sz="1214" dirty="0"/>
+            </a:p>
+          </p:txBody>
+        </p:sp>
+        <p:sp>
+          <p:nvSpPr>
+            <p:cNvPr id="12" name="AutoShape 92">
+              <a:extLst>
+                <a:ext uri="{FF2B5EF4-FFF2-40B4-BE49-F238E27FC236}">
+                  <a16:creationId xmlns:a16="http://schemas.microsoft.com/office/drawing/2014/main" id="{BEE1D449-8C48-4FD7-922C-3D02941252FD}"/>
+                </a:ext>
+              </a:extLst>
+            </p:cNvPr>
+            <p:cNvSpPr>
+              <a:spLocks noChangeArrowheads="1"/>
+            </p:cNvSpPr>
+            <p:nvPr/>
+          </p:nvSpPr>
+          <p:spPr bwMode="auto">
+            <a:xfrm>
+              <a:off x="1532" y="3385"/>
+              <a:ext cx="226" cy="136"/>
+            </a:xfrm>
+            <a:prstGeom prst="chevron">
+              <a:avLst>
+                <a:gd name="adj" fmla="val 41544"/>
+              </a:avLst>
+            </a:prstGeom>
+            <a:noFill/>
+            <a:ln w="6350" algn="ctr">
+              <a:solidFill>
+                <a:srgbClr val="002060"/>
+              </a:solidFill>
+              <a:miter lim="800000"/>
+              <a:headEnd type="none" w="sm" len="sm"/>
+              <a:tailEnd type="none" w="med" len="lg"/>
+            </a:ln>
+          </p:spPr>
+          <p:txBody>
+            <a:bodyPr tIns="68580" bIns="68580" anchor="ctr"/>
+            <a:lstStyle/>
+            <a:p>
+              <a:pPr algn="ctr">
+                <a:defRPr/>
+              </a:pPr>
+              <a:endParaRPr lang="en-GB" sz="1214" dirty="0"/>
+            </a:p>
+          </p:txBody>
+        </p:sp>
+        <p:sp>
+          <p:nvSpPr>
+            <p:cNvPr id="13" name="AutoShape 93">
+              <a:extLst>
+                <a:ext uri="{FF2B5EF4-FFF2-40B4-BE49-F238E27FC236}">
+                  <a16:creationId xmlns:a16="http://schemas.microsoft.com/office/drawing/2014/main" id="{73D03AC9-FE0D-4EC4-9649-286DED7EDD3D}"/>
+                </a:ext>
+              </a:extLst>
+            </p:cNvPr>
+            <p:cNvSpPr>
+              <a:spLocks noChangeArrowheads="1"/>
+            </p:cNvSpPr>
+            <p:nvPr/>
+          </p:nvSpPr>
+          <p:spPr bwMode="auto">
+            <a:xfrm>
+              <a:off x="852" y="3385"/>
+              <a:ext cx="227" cy="136"/>
+            </a:xfrm>
+            <a:prstGeom prst="homePlate">
+              <a:avLst>
+                <a:gd name="adj" fmla="val 41728"/>
+              </a:avLst>
+            </a:prstGeom>
+            <a:noFill/>
+            <a:ln w="6350" algn="ctr">
+              <a:solidFill>
+                <a:srgbClr val="002060"/>
+              </a:solidFill>
+              <a:miter lim="800000"/>
+              <a:headEnd type="none" w="sm" len="sm"/>
+              <a:tailEnd type="none" w="med" len="lg"/>
+            </a:ln>
+          </p:spPr>
+          <p:txBody>
+            <a:bodyPr tIns="68580" bIns="68580" anchor="ctr"/>
+            <a:lstStyle/>
+            <a:p>
+              <a:pPr algn="ctr">
+                <a:defRPr/>
+              </a:pPr>
+              <a:endParaRPr lang="en-GB" sz="1214" dirty="0"/>
+            </a:p>
+          </p:txBody>
+        </p:sp>
+      </p:grpSp>
+    </p:spTree>
+    <p:extLst>
+      <p:ext uri="{BB962C8B-B14F-4D97-AF65-F5344CB8AC3E}">
+        <p14:creationId xmlns:p14="http://schemas.microsoft.com/office/powerpoint/2010/main" val="366423059"/>
+      </p:ext>
+    </p:extLst>
+  </p:cSld>
+  <p:clrMapOvr>
+    <a:masterClrMapping/>
+  </p:clrMapOvr>
+</p:sld>
+</file>
+
+<file path=ppt/slides/slide11.xml><?xml version="1.0" encoding="utf-8"?>
+<p:sld xmlns:a="http://schemas.openxmlformats.org/drawingml/2006/main" xmlns:r="http://schemas.openxmlformats.org/officeDocument/2006/relationships" xmlns:p="http://schemas.openxmlformats.org/presentationml/2006/main">
+  <p:cSld>
+    <p:spTree>
+      <p:nvGrpSpPr>
+        <p:cNvPr id="1" name=""/>
+        <p:cNvGrpSpPr/>
+        <p:nvPr/>
+      </p:nvGrpSpPr>
+      <p:grpSpPr>
+        <a:xfrm>
+          <a:off x="0" y="0"/>
+          <a:ext cx="0" cy="0"/>
+          <a:chOff x="0" y="0"/>
+          <a:chExt cx="0" cy="0"/>
+        </a:xfrm>
+      </p:grpSpPr>
+      <p:sp>
+        <p:nvSpPr>
+          <p:cNvPr id="2" name="Content Placeholder 1">
+            <a:extLst>
+              <a:ext uri="{FF2B5EF4-FFF2-40B4-BE49-F238E27FC236}">
                 <a16:creationId xmlns:a16="http://schemas.microsoft.com/office/drawing/2014/main" id="{90B20DFC-F3EF-4C41-B3B9-B0B3C4331AF4}"/>
               </a:ext>
             </a:extLst>
@@ -2769,33 +3253,33 @@
             <a:endParaRPr lang="en-US" dirty="0"/>
           </a:p>
           <a:p>
+            <a:endParaRPr lang="en-US" dirty="0"/>
+          </a:p>
+          <a:p>
+            <a:endParaRPr lang="en-US" dirty="0"/>
+          </a:p>
+          <a:p>
+            <a:endParaRPr lang="en-US" dirty="0"/>
+          </a:p>
+          <a:p>
+            <a:r>
+              <a:rPr lang="en-US" dirty="0"/>
+              <a:t>The user can view how much money is stored on their account here.</a:t>
+            </a:r>
+          </a:p>
+          <a:p>
+            <a:r>
+              <a:rPr lang="en-US" dirty="0"/>
+              <a:t>If the user wants to go back to the Main interface, click on </a:t>
+            </a:r>
+          </a:p>
+          <a:p>
             <a:pPr marL="0" indent="0">
               <a:buNone/>
             </a:pPr>
-            <a:endParaRPr lang="en-US" dirty="0"/>
-          </a:p>
-          <a:p>
-            <a:endParaRPr lang="en-US" dirty="0"/>
-          </a:p>
-          <a:p>
-            <a:endParaRPr lang="en-US" dirty="0"/>
-          </a:p>
-          <a:p>
             <a:r>
               <a:rPr lang="en-US" dirty="0"/>
-              <a:t>The user can only withdraw increments of $20</a:t>
-            </a:r>
-          </a:p>
-          <a:p>
-            <a:r>
-              <a:rPr lang="en-US" dirty="0"/>
-              <a:t>The user can’t withdraw more money then in their balance</a:t>
-            </a:r>
-          </a:p>
-          <a:p>
-            <a:r>
-              <a:rPr lang="en-US" dirty="0"/>
-              <a:t>Once successful, they get a notification on successful withdrawal. The ATM and User balance gets updated</a:t>
+              <a:t>“Back”</a:t>
             </a:r>
           </a:p>
         </p:txBody>
@@ -2852,7 +3336,7 @@
           <a:p>
             <a:r>
               <a:rPr lang="en-US" dirty="0"/>
-              <a:t>Withdraw</a:t>
+              <a:t>View Balance</a:t>
             </a:r>
           </a:p>
         </p:txBody>
@@ -2881,7 +3365,422 @@
             <a:fld id="{F2407EE3-A7AD-4D85-AA70-E0A9F1A7BE8D}" type="slidenum">
               <a:rPr lang="en-US" smtClean="0"/>
               <a:pPr/>
-              <a:t>10</a:t>
+              <a:t>11</a:t>
+            </a:fld>
+            <a:endParaRPr lang="en-US" dirty="0"/>
+          </a:p>
+        </p:txBody>
+      </p:sp>
+      <p:pic>
+        <p:nvPicPr>
+          <p:cNvPr id="7" name="Picture 6">
+            <a:extLst>
+              <a:ext uri="{FF2B5EF4-FFF2-40B4-BE49-F238E27FC236}">
+                <a16:creationId xmlns:a16="http://schemas.microsoft.com/office/drawing/2014/main" id="{F2122BE4-3125-4DE0-A74B-21E8232650D5}"/>
+              </a:ext>
+            </a:extLst>
+          </p:cNvPr>
+          <p:cNvPicPr/>
+          <p:nvPr/>
+        </p:nvPicPr>
+        <p:blipFill>
+          <a:blip r:embed="rId2"/>
+          <a:stretch>
+            <a:fillRect/>
+          </a:stretch>
+        </p:blipFill>
+        <p:spPr>
+          <a:xfrm>
+            <a:off x="457201" y="972160"/>
+            <a:ext cx="8034950" cy="1273175"/>
+          </a:xfrm>
+          <a:prstGeom prst="rect">
+            <a:avLst/>
+          </a:prstGeom>
+        </p:spPr>
+      </p:pic>
+      <p:grpSp>
+        <p:nvGrpSpPr>
+          <p:cNvPr id="8" name="Group 89">
+            <a:extLst>
+              <a:ext uri="{FF2B5EF4-FFF2-40B4-BE49-F238E27FC236}">
+                <a16:creationId xmlns:a16="http://schemas.microsoft.com/office/drawing/2014/main" id="{01746234-D2DD-4EE6-9055-C1BA343B5611}"/>
+              </a:ext>
+            </a:extLst>
+          </p:cNvPr>
+          <p:cNvGrpSpPr>
+            <a:grpSpLocks/>
+          </p:cNvGrpSpPr>
+          <p:nvPr/>
+        </p:nvGrpSpPr>
+        <p:grpSpPr bwMode="auto">
+          <a:xfrm>
+            <a:off x="7643747" y="320040"/>
+            <a:ext cx="1079599" cy="161925"/>
+            <a:chOff x="852" y="3385"/>
+            <a:chExt cx="906" cy="136"/>
+          </a:xfrm>
+          <a:solidFill>
+            <a:schemeClr val="accent2">
+              <a:lumMod val="75000"/>
+            </a:schemeClr>
+          </a:solidFill>
+        </p:grpSpPr>
+        <p:sp>
+          <p:nvSpPr>
+            <p:cNvPr id="9" name="AutoShape 90">
+              <a:extLst>
+                <a:ext uri="{FF2B5EF4-FFF2-40B4-BE49-F238E27FC236}">
+                  <a16:creationId xmlns:a16="http://schemas.microsoft.com/office/drawing/2014/main" id="{287C6521-D8E0-473C-ADEA-3C1C09D04B41}"/>
+                </a:ext>
+              </a:extLst>
+            </p:cNvPr>
+            <p:cNvSpPr>
+              <a:spLocks noChangeArrowheads="1"/>
+            </p:cNvSpPr>
+            <p:nvPr/>
+          </p:nvSpPr>
+          <p:spPr bwMode="auto">
+            <a:xfrm>
+              <a:off x="1079" y="3385"/>
+              <a:ext cx="226" cy="136"/>
+            </a:xfrm>
+            <a:prstGeom prst="chevron">
+              <a:avLst>
+                <a:gd name="adj" fmla="val 41544"/>
+              </a:avLst>
+            </a:prstGeom>
+            <a:solidFill>
+              <a:srgbClr val="002060"/>
+            </a:solidFill>
+            <a:ln w="6350" algn="ctr">
+              <a:solidFill>
+                <a:srgbClr val="002060"/>
+              </a:solidFill>
+              <a:miter lim="800000"/>
+              <a:headEnd type="none" w="sm" len="sm"/>
+              <a:tailEnd type="none" w="med" len="lg"/>
+            </a:ln>
+          </p:spPr>
+          <p:txBody>
+            <a:bodyPr tIns="68580" bIns="68580" anchor="ctr"/>
+            <a:lstStyle/>
+            <a:p>
+              <a:pPr algn="ctr">
+                <a:defRPr/>
+              </a:pPr>
+              <a:endParaRPr lang="en-GB" sz="1214" dirty="0"/>
+            </a:p>
+          </p:txBody>
+        </p:sp>
+        <p:sp>
+          <p:nvSpPr>
+            <p:cNvPr id="10" name="AutoShape 91">
+              <a:extLst>
+                <a:ext uri="{FF2B5EF4-FFF2-40B4-BE49-F238E27FC236}">
+                  <a16:creationId xmlns:a16="http://schemas.microsoft.com/office/drawing/2014/main" id="{12468DE9-0C62-481F-AD0D-F44122BB129D}"/>
+                </a:ext>
+              </a:extLst>
+            </p:cNvPr>
+            <p:cNvSpPr>
+              <a:spLocks noChangeArrowheads="1"/>
+            </p:cNvSpPr>
+            <p:nvPr/>
+          </p:nvSpPr>
+          <p:spPr bwMode="auto">
+            <a:xfrm>
+              <a:off x="1306" y="3385"/>
+              <a:ext cx="225" cy="136"/>
+            </a:xfrm>
+            <a:prstGeom prst="chevron">
+              <a:avLst>
+                <a:gd name="adj" fmla="val 41544"/>
+              </a:avLst>
+            </a:prstGeom>
+            <a:noFill/>
+            <a:ln w="6350" algn="ctr">
+              <a:solidFill>
+                <a:srgbClr val="002060"/>
+              </a:solidFill>
+              <a:miter lim="800000"/>
+              <a:headEnd type="none" w="sm" len="sm"/>
+              <a:tailEnd type="none" w="med" len="lg"/>
+            </a:ln>
+          </p:spPr>
+          <p:txBody>
+            <a:bodyPr tIns="68580" bIns="68580" anchor="ctr"/>
+            <a:lstStyle/>
+            <a:p>
+              <a:pPr algn="ctr">
+                <a:defRPr/>
+              </a:pPr>
+              <a:endParaRPr lang="en-GB" sz="1214" dirty="0"/>
+            </a:p>
+          </p:txBody>
+        </p:sp>
+        <p:sp>
+          <p:nvSpPr>
+            <p:cNvPr id="11" name="AutoShape 92">
+              <a:extLst>
+                <a:ext uri="{FF2B5EF4-FFF2-40B4-BE49-F238E27FC236}">
+                  <a16:creationId xmlns:a16="http://schemas.microsoft.com/office/drawing/2014/main" id="{4CD86977-A331-442E-AD65-E617F1C516E0}"/>
+                </a:ext>
+              </a:extLst>
+            </p:cNvPr>
+            <p:cNvSpPr>
+              <a:spLocks noChangeArrowheads="1"/>
+            </p:cNvSpPr>
+            <p:nvPr/>
+          </p:nvSpPr>
+          <p:spPr bwMode="auto">
+            <a:xfrm>
+              <a:off x="1532" y="3385"/>
+              <a:ext cx="226" cy="136"/>
+            </a:xfrm>
+            <a:prstGeom prst="chevron">
+              <a:avLst>
+                <a:gd name="adj" fmla="val 41544"/>
+              </a:avLst>
+            </a:prstGeom>
+            <a:noFill/>
+            <a:ln w="6350" algn="ctr">
+              <a:solidFill>
+                <a:srgbClr val="002060"/>
+              </a:solidFill>
+              <a:miter lim="800000"/>
+              <a:headEnd type="none" w="sm" len="sm"/>
+              <a:tailEnd type="none" w="med" len="lg"/>
+            </a:ln>
+          </p:spPr>
+          <p:txBody>
+            <a:bodyPr tIns="68580" bIns="68580" anchor="ctr"/>
+            <a:lstStyle/>
+            <a:p>
+              <a:pPr algn="ctr">
+                <a:defRPr/>
+              </a:pPr>
+              <a:endParaRPr lang="en-GB" sz="1214" dirty="0"/>
+            </a:p>
+          </p:txBody>
+        </p:sp>
+        <p:sp>
+          <p:nvSpPr>
+            <p:cNvPr id="12" name="AutoShape 93">
+              <a:extLst>
+                <a:ext uri="{FF2B5EF4-FFF2-40B4-BE49-F238E27FC236}">
+                  <a16:creationId xmlns:a16="http://schemas.microsoft.com/office/drawing/2014/main" id="{49859F33-BF72-4E6D-BF28-AE685A142261}"/>
+                </a:ext>
+              </a:extLst>
+            </p:cNvPr>
+            <p:cNvSpPr>
+              <a:spLocks noChangeArrowheads="1"/>
+            </p:cNvSpPr>
+            <p:nvPr/>
+          </p:nvSpPr>
+          <p:spPr bwMode="auto">
+            <a:xfrm>
+              <a:off x="852" y="3385"/>
+              <a:ext cx="227" cy="136"/>
+            </a:xfrm>
+            <a:prstGeom prst="homePlate">
+              <a:avLst>
+                <a:gd name="adj" fmla="val 41728"/>
+              </a:avLst>
+            </a:prstGeom>
+            <a:noFill/>
+            <a:ln w="6350" algn="ctr">
+              <a:solidFill>
+                <a:srgbClr val="002060"/>
+              </a:solidFill>
+              <a:miter lim="800000"/>
+              <a:headEnd type="none" w="sm" len="sm"/>
+              <a:tailEnd type="none" w="med" len="lg"/>
+            </a:ln>
+          </p:spPr>
+          <p:txBody>
+            <a:bodyPr tIns="68580" bIns="68580" anchor="ctr"/>
+            <a:lstStyle/>
+            <a:p>
+              <a:pPr algn="ctr">
+                <a:defRPr/>
+              </a:pPr>
+              <a:endParaRPr lang="en-GB" sz="1214" dirty="0"/>
+            </a:p>
+          </p:txBody>
+        </p:sp>
+      </p:grpSp>
+    </p:spTree>
+    <p:extLst>
+      <p:ext uri="{BB962C8B-B14F-4D97-AF65-F5344CB8AC3E}">
+        <p14:creationId xmlns:p14="http://schemas.microsoft.com/office/powerpoint/2010/main" val="2071473593"/>
+      </p:ext>
+    </p:extLst>
+  </p:cSld>
+  <p:clrMapOvr>
+    <a:masterClrMapping/>
+  </p:clrMapOvr>
+</p:sld>
+</file>
+
+<file path=ppt/slides/slide12.xml><?xml version="1.0" encoding="utf-8"?>
+<p:sld xmlns:a="http://schemas.openxmlformats.org/drawingml/2006/main" xmlns:r="http://schemas.openxmlformats.org/officeDocument/2006/relationships" xmlns:p="http://schemas.openxmlformats.org/presentationml/2006/main">
+  <p:cSld>
+    <p:spTree>
+      <p:nvGrpSpPr>
+        <p:cNvPr id="1" name=""/>
+        <p:cNvGrpSpPr/>
+        <p:nvPr/>
+      </p:nvGrpSpPr>
+      <p:grpSpPr>
+        <a:xfrm>
+          <a:off x="0" y="0"/>
+          <a:ext cx="0" cy="0"/>
+          <a:chOff x="0" y="0"/>
+          <a:chExt cx="0" cy="0"/>
+        </a:xfrm>
+      </p:grpSpPr>
+      <p:sp>
+        <p:nvSpPr>
+          <p:cNvPr id="2" name="Content Placeholder 1">
+            <a:extLst>
+              <a:ext uri="{FF2B5EF4-FFF2-40B4-BE49-F238E27FC236}">
+                <a16:creationId xmlns:a16="http://schemas.microsoft.com/office/drawing/2014/main" id="{90B20DFC-F3EF-4C41-B3B9-B0B3C4331AF4}"/>
+              </a:ext>
+            </a:extLst>
+          </p:cNvPr>
+          <p:cNvSpPr>
+            <a:spLocks noGrp="1"/>
+          </p:cNvSpPr>
+          <p:nvPr>
+            <p:ph idx="1"/>
+          </p:nvPr>
+        </p:nvSpPr>
+        <p:spPr>
+          <a:xfrm>
+            <a:off x="300356" y="831187"/>
+            <a:ext cx="8191794" cy="3681081"/>
+          </a:xfrm>
+        </p:spPr>
+        <p:txBody>
+          <a:bodyPr/>
+          <a:lstStyle/>
+          <a:p>
+            <a:endParaRPr lang="en-US" dirty="0"/>
+          </a:p>
+          <a:p>
+            <a:pPr marL="0" indent="0">
+              <a:buNone/>
+            </a:pPr>
+            <a:endParaRPr lang="en-US" dirty="0"/>
+          </a:p>
+          <a:p>
+            <a:endParaRPr lang="en-US" dirty="0"/>
+          </a:p>
+          <a:p>
+            <a:endParaRPr lang="en-US" dirty="0"/>
+          </a:p>
+          <a:p>
+            <a:r>
+              <a:rPr lang="en-US" dirty="0"/>
+              <a:t>The user can only withdraw increments of $20</a:t>
+            </a:r>
+          </a:p>
+          <a:p>
+            <a:r>
+              <a:rPr lang="en-US" dirty="0"/>
+              <a:t>The user can’t withdraw more money then in their balance</a:t>
+            </a:r>
+          </a:p>
+          <a:p>
+            <a:r>
+              <a:rPr lang="en-US" dirty="0"/>
+              <a:t>Once successful, they get a notification on successful withdrawal. The ATM and User balance gets updated</a:t>
+            </a:r>
+          </a:p>
+        </p:txBody>
+      </p:sp>
+      <p:sp>
+        <p:nvSpPr>
+          <p:cNvPr id="3" name="Footer Placeholder 2">
+            <a:extLst>
+              <a:ext uri="{FF2B5EF4-FFF2-40B4-BE49-F238E27FC236}">
+                <a16:creationId xmlns:a16="http://schemas.microsoft.com/office/drawing/2014/main" id="{8B830685-77F0-45DD-8F72-024D77BEE8F5}"/>
+              </a:ext>
+            </a:extLst>
+          </p:cNvPr>
+          <p:cNvSpPr>
+            <a:spLocks noGrp="1"/>
+          </p:cNvSpPr>
+          <p:nvPr>
+            <p:ph type="ftr" sz="quarter" idx="11"/>
+          </p:nvPr>
+        </p:nvSpPr>
+        <p:spPr/>
+        <p:txBody>
+          <a:bodyPr/>
+          <a:lstStyle/>
+          <a:p>
+            <a:r>
+              <a:rPr lang="en-US"/>
+              <a:t>Group Four</a:t>
+            </a:r>
+            <a:endParaRPr lang="en-US" dirty="0"/>
+          </a:p>
+        </p:txBody>
+      </p:sp>
+      <p:sp>
+        <p:nvSpPr>
+          <p:cNvPr id="4" name="Title 3">
+            <a:extLst>
+              <a:ext uri="{FF2B5EF4-FFF2-40B4-BE49-F238E27FC236}">
+                <a16:creationId xmlns:a16="http://schemas.microsoft.com/office/drawing/2014/main" id="{0A6B2E9E-1396-4BDE-AB62-7DD81A15D3BC}"/>
+              </a:ext>
+            </a:extLst>
+          </p:cNvPr>
+          <p:cNvSpPr>
+            <a:spLocks noGrp="1"/>
+          </p:cNvSpPr>
+          <p:nvPr>
+            <p:ph type="title"/>
+          </p:nvPr>
+        </p:nvSpPr>
+        <p:spPr/>
+        <p:txBody>
+          <a:bodyPr/>
+          <a:lstStyle/>
+          <a:p>
+            <a:r>
+              <a:rPr lang="en-US" dirty="0"/>
+              <a:t>Withdraw</a:t>
+            </a:r>
+          </a:p>
+        </p:txBody>
+      </p:sp>
+      <p:sp>
+        <p:nvSpPr>
+          <p:cNvPr id="5" name="Slide Number Placeholder 4">
+            <a:extLst>
+              <a:ext uri="{FF2B5EF4-FFF2-40B4-BE49-F238E27FC236}">
+                <a16:creationId xmlns:a16="http://schemas.microsoft.com/office/drawing/2014/main" id="{0F81496F-0B0C-42EC-8B4F-F14FD023D13C}"/>
+              </a:ext>
+            </a:extLst>
+          </p:cNvPr>
+          <p:cNvSpPr>
+            <a:spLocks noGrp="1"/>
+          </p:cNvSpPr>
+          <p:nvPr>
+            <p:ph type="sldNum" sz="quarter" idx="12"/>
+          </p:nvPr>
+        </p:nvSpPr>
+        <p:spPr/>
+        <p:txBody>
+          <a:bodyPr/>
+          <a:lstStyle/>
+          <a:p>
+            <a:fld id="{F2407EE3-A7AD-4D85-AA70-E0A9F1A7BE8D}" type="slidenum">
+              <a:rPr lang="en-US" smtClean="0"/>
+              <a:pPr/>
+              <a:t>12</a:t>
             </a:fld>
             <a:endParaRPr lang="en-US" dirty="0"/>
           </a:p>
@@ -3222,7 +4121,7 @@
 </p:sld>
 </file>
 
-<file path=ppt/slides/slide11.xml><?xml version="1.0" encoding="utf-8"?>
+<file path=ppt/slides/slide13.xml><?xml version="1.0" encoding="utf-8"?>
 <p:sld xmlns:a="http://schemas.openxmlformats.org/drawingml/2006/main" xmlns:r="http://schemas.openxmlformats.org/officeDocument/2006/relationships" xmlns:p="http://schemas.openxmlformats.org/presentationml/2006/main">
   <p:cSld>
     <p:spTree>
@@ -3377,7 +4276,7 @@
             <a:fld id="{F2407EE3-A7AD-4D85-AA70-E0A9F1A7BE8D}" type="slidenum">
               <a:rPr lang="en-US" smtClean="0"/>
               <a:pPr/>
-              <a:t>11</a:t>
+              <a:t>13</a:t>
             </a:fld>
             <a:endParaRPr lang="en-US" dirty="0"/>
           </a:p>
@@ -3690,7 +4589,7 @@
 </p:sld>
 </file>
 
-<file path=ppt/slides/slide12.xml><?xml version="1.0" encoding="utf-8"?>
+<file path=ppt/slides/slide14.xml><?xml version="1.0" encoding="utf-8"?>
 <p:sld xmlns:a="http://schemas.openxmlformats.org/drawingml/2006/main" xmlns:r="http://schemas.openxmlformats.org/officeDocument/2006/relationships" xmlns:p="http://schemas.openxmlformats.org/presentationml/2006/main">
   <p:cSld>
     <p:spTree>
@@ -3765,13 +4664,6 @@
             <a:pPr lvl="1"/>
             <a:r>
               <a:rPr lang="en-US" dirty="0"/>
-              <a:t>	</a:t>
-            </a:r>
-          </a:p>
-          <a:p>
-            <a:pPr lvl="1"/>
-            <a:r>
-              <a:rPr lang="en-US" dirty="0"/>
               <a:t>Allows us to build, run and operate our app entirely in the cloud</a:t>
             </a:r>
           </a:p>
@@ -3858,7 +4750,7 @@
             <a:fld id="{F2407EE3-A7AD-4D85-AA70-E0A9F1A7BE8D}" type="slidenum">
               <a:rPr lang="en-US" smtClean="0"/>
               <a:pPr/>
-              <a:t>12</a:t>
+              <a:t>14</a:t>
             </a:fld>
             <a:endParaRPr lang="en-US" dirty="0"/>
           </a:p>
@@ -4083,7 +4975,7 @@
 </p:sld>
 </file>
 
-<file path=ppt/slides/slide13.xml><?xml version="1.0" encoding="utf-8"?>
+<file path=ppt/slides/slide15.xml><?xml version="1.0" encoding="utf-8"?>
 <p:sld xmlns:a="http://schemas.openxmlformats.org/drawingml/2006/main" xmlns:r="http://schemas.openxmlformats.org/officeDocument/2006/relationships" xmlns:p="http://schemas.openxmlformats.org/presentationml/2006/main">
   <p:cSld>
     <p:spTree>
@@ -4118,27 +5010,64 @@
         </p:nvSpPr>
         <p:spPr/>
         <p:txBody>
-          <a:bodyPr/>
+          <a:bodyPr>
+            <a:normAutofit lnSpcReduction="10000"/>
+          </a:bodyPr>
           <a:lstStyle/>
           <a:p>
             <a:r>
               <a:rPr lang="en-US" dirty="0"/>
-              <a:t>See Other/</a:t>
+              <a:t>See Other/atm_backend/atm_serv.py</a:t>
+            </a:r>
+          </a:p>
+          <a:p>
+            <a:r>
+              <a:rPr lang="en-US" dirty="0"/>
+              <a:t>Heroku allows for easy set up of the database and uses the same commands as SQL.</a:t>
+            </a:r>
+          </a:p>
+          <a:p>
+            <a:r>
+              <a:rPr lang="en-US" dirty="0"/>
+              <a:t>The web server would call the predefined SQL queries (using insert, select and update)</a:t>
+            </a:r>
+          </a:p>
+          <a:p>
+            <a:r>
+              <a:rPr lang="en-US" dirty="0"/>
+              <a:t>Example 1: </a:t>
             </a:r>
             <a:r>
               <a:rPr lang="en-US" dirty="0" err="1"/>
-              <a:t>atm_backend</a:t>
-            </a:r>
-            <a:endParaRPr lang="en-US" dirty="0"/>
-          </a:p>
-          <a:p>
+              <a:t>name_exists</a:t>
+            </a:r>
             <a:r>
               <a:rPr lang="en-US" dirty="0"/>
-              <a:t>It contains SQL statements written in Python which is used for </a:t>
+              <a:t> is a select query to check if a user already exists on the database</a:t>
+            </a:r>
+          </a:p>
+          <a:p>
+            <a:r>
+              <a:rPr lang="en-US" dirty="0"/>
+              <a:t>Example 2: </a:t>
+            </a:r>
+            <a:r>
+              <a:rPr lang="en-US" dirty="0" err="1"/>
+              <a:t>create_account</a:t>
+            </a:r>
+            <a:r>
+              <a:rPr lang="en-US" dirty="0"/>
+              <a:t> uses insert to create the new account on signup screen</a:t>
+            </a:r>
+          </a:p>
+          <a:p>
+            <a:r>
+              <a:rPr lang="en-US" dirty="0"/>
+              <a:t>Example 3: update uses an update command to update the value of the </a:t>
             </a:r>
             <a:r>
               <a:rPr lang="en-US"/>
-              <a:t>this project</a:t>
+              <a:t>account Balance</a:t>
             </a:r>
             <a:endParaRPr lang="en-US" dirty="0"/>
           </a:p>
@@ -4225,7 +5154,7 @@
             <a:fld id="{F2407EE3-A7AD-4D85-AA70-E0A9F1A7BE8D}" type="slidenum">
               <a:rPr lang="en-US" smtClean="0"/>
               <a:pPr/>
-              <a:t>13</a:t>
+              <a:t>15</a:t>
             </a:fld>
             <a:endParaRPr lang="en-US" dirty="0"/>
           </a:p>
@@ -4450,7 +5379,7 @@
 </p:sld>
 </file>
 
-<file path=ppt/slides/slide14.xml><?xml version="1.0" encoding="utf-8"?>
+<file path=ppt/slides/slide16.xml><?xml version="1.0" encoding="utf-8"?>
 <p:sld xmlns:a="http://schemas.openxmlformats.org/drawingml/2006/main" xmlns:r="http://schemas.openxmlformats.org/officeDocument/2006/relationships" xmlns:p="http://schemas.openxmlformats.org/presentationml/2006/main">
   <p:cSld>
     <p:spTree>
@@ -4548,7 +5477,7 @@
             <a:fld id="{F2407EE3-A7AD-4D85-AA70-E0A9F1A7BE8D}" type="slidenum">
               <a:rPr lang="en-US" smtClean="0"/>
               <a:pPr/>
-              <a:t>14</a:t>
+              <a:t>16</a:t>
             </a:fld>
             <a:endParaRPr lang="en-US" dirty="0"/>
           </a:p>
@@ -5205,40 +6134,13 @@
                 <a:defRPr/>
               </a:pPr>
               <a:r>
-                <a:rPr lang="nl-NL" sz="900" dirty="0" err="1">
-                  <a:solidFill>
-                    <a:srgbClr val="002776"/>
-                  </a:solidFill>
-                  <a:latin typeface="Arial"/>
-                </a:rPr>
-                <a:t>Automatically</a:t>
-              </a:r>
-              <a:r>
                 <a:rPr lang="nl-NL" sz="900" dirty="0">
                   <a:solidFill>
                     <a:srgbClr val="002776"/>
                   </a:solidFill>
                   <a:latin typeface="Arial"/>
                 </a:rPr>
-                <a:t> </a:t>
-              </a:r>
-              <a:r>
-                <a:rPr lang="nl-NL" sz="900">
-                  <a:solidFill>
-                    <a:srgbClr val="002776"/>
-                  </a:solidFill>
-                  <a:latin typeface="Arial"/>
-                </a:rPr>
-                <a:t>adds</a:t>
-              </a:r>
-              <a:r>
-                <a:rPr lang="nl-NL" sz="900" dirty="0">
-                  <a:solidFill>
-                    <a:srgbClr val="002776"/>
-                  </a:solidFill>
-                  <a:latin typeface="Arial"/>
-                </a:rPr>
-                <a:t> salt to protect against Rainow Tables (pre-computed hashes)</a:t>
+                <a:t>Add salt to protect against Rainow Tables (pre-computed hashes)</a:t>
               </a:r>
             </a:p>
             <a:p>
@@ -5508,7 +6410,7 @@
 </p:sld>
 </file>
 
-<file path=ppt/slides/slide15.xml><?xml version="1.0" encoding="utf-8"?>
+<file path=ppt/slides/slide17.xml><?xml version="1.0" encoding="utf-8"?>
 <p:sld xmlns:a="http://schemas.openxmlformats.org/drawingml/2006/main" xmlns:r="http://schemas.openxmlformats.org/officeDocument/2006/relationships" xmlns:p="http://schemas.openxmlformats.org/presentationml/2006/main">
   <p:cSld>
     <p:spTree>
@@ -5606,7 +6508,7 @@
             <a:fld id="{F2407EE3-A7AD-4D85-AA70-E0A9F1A7BE8D}" type="slidenum">
               <a:rPr lang="en-US" smtClean="0"/>
               <a:pPr/>
-              <a:t>15</a:t>
+              <a:t>17</a:t>
             </a:fld>
             <a:endParaRPr lang="en-US" dirty="0"/>
           </a:p>
@@ -6552,7 +7454,7 @@
 </p:sld>
 </file>
 
-<file path=ppt/slides/slide16.xml><?xml version="1.0" encoding="utf-8"?>
+<file path=ppt/slides/slide18.xml><?xml version="1.0" encoding="utf-8"?>
 <p:sld xmlns:a="http://schemas.openxmlformats.org/drawingml/2006/main" xmlns:r="http://schemas.openxmlformats.org/officeDocument/2006/relationships" xmlns:p="http://schemas.openxmlformats.org/presentationml/2006/main">
   <p:cSld>
     <p:spTree>
@@ -6650,7 +7552,7 @@
             <a:fld id="{F2407EE3-A7AD-4D85-AA70-E0A9F1A7BE8D}" type="slidenum">
               <a:rPr lang="en-US" smtClean="0"/>
               <a:pPr/>
-              <a:t>16</a:t>
+              <a:t>18</a:t>
             </a:fld>
             <a:endParaRPr lang="en-US" dirty="0"/>
           </a:p>
@@ -7875,7 +8777,7 @@
 </p:sld>
 </file>
 
-<file path=ppt/slides/slide17.xml><?xml version="1.0" encoding="utf-8"?>
+<file path=ppt/slides/slide19.xml><?xml version="1.0" encoding="utf-8"?>
 <p:sld xmlns:a="http://schemas.openxmlformats.org/drawingml/2006/main" xmlns:r="http://schemas.openxmlformats.org/officeDocument/2006/relationships" xmlns:p="http://schemas.openxmlformats.org/presentationml/2006/main">
   <p:cSld>
     <p:spTree>
@@ -8031,7 +8933,7 @@
             <a:fld id="{F2407EE3-A7AD-4D85-AA70-E0A9F1A7BE8D}" type="slidenum">
               <a:rPr lang="en-US" smtClean="0"/>
               <a:pPr/>
-              <a:t>17</a:t>
+              <a:t>19</a:t>
             </a:fld>
             <a:endParaRPr lang="en-US" dirty="0"/>
           </a:p>
@@ -8076,7 +8978,7 @@
           </a:ln>
           <a:extLst>
             <a:ext uri="{C572A759-6A51-4108-AA02-DFA0A04FC94B}">
-              <ma14:wrappingTextBoxFlag xmlns:ma14="http://schemas.microsoft.com/office/mac/drawingml/2011/main" xmlns="" val="1"/>
+              <ma14:wrappingTextBoxFlag xmlns="" xmlns:ma14="http://schemas.microsoft.com/office/mac/drawingml/2011/main" val="1"/>
             </a:ext>
           </a:extLst>
         </p:spPr>
@@ -8291,260 +9193,6 @@
     <p:extLst>
       <p:ext uri="{BB962C8B-B14F-4D97-AF65-F5344CB8AC3E}">
         <p14:creationId xmlns:p14="http://schemas.microsoft.com/office/powerpoint/2010/main" val="2305442211"/>
-      </p:ext>
-    </p:extLst>
-  </p:cSld>
-  <p:clrMapOvr>
-    <a:masterClrMapping/>
-  </p:clrMapOvr>
-</p:sld>
-</file>
-
-<file path=ppt/slides/slide18.xml><?xml version="1.0" encoding="utf-8"?>
-<p:sld xmlns:a="http://schemas.openxmlformats.org/drawingml/2006/main" xmlns:r="http://schemas.openxmlformats.org/officeDocument/2006/relationships" xmlns:p="http://schemas.openxmlformats.org/presentationml/2006/main">
-  <p:cSld>
-    <p:spTree>
-      <p:nvGrpSpPr>
-        <p:cNvPr id="1" name=""/>
-        <p:cNvGrpSpPr/>
-        <p:nvPr/>
-      </p:nvGrpSpPr>
-      <p:grpSpPr>
-        <a:xfrm>
-          <a:off x="0" y="0"/>
-          <a:ext cx="0" cy="0"/>
-          <a:chOff x="0" y="0"/>
-          <a:chExt cx="0" cy="0"/>
-        </a:xfrm>
-      </p:grpSpPr>
-      <p:sp>
-        <p:nvSpPr>
-          <p:cNvPr id="2" name="Content Placeholder 1">
-            <a:extLst>
-              <a:ext uri="{FF2B5EF4-FFF2-40B4-BE49-F238E27FC236}">
-                <a16:creationId xmlns:a16="http://schemas.microsoft.com/office/drawing/2014/main" id="{8452DFAC-08D5-4E61-9C75-093063A70A62}"/>
-              </a:ext>
-            </a:extLst>
-          </p:cNvPr>
-          <p:cNvSpPr>
-            <a:spLocks noGrp="1"/>
-          </p:cNvSpPr>
-          <p:nvPr>
-            <p:ph idx="1"/>
-          </p:nvPr>
-        </p:nvSpPr>
-        <p:spPr/>
-        <p:txBody>
-          <a:bodyPr>
-            <a:normAutofit fontScale="92500" lnSpcReduction="20000"/>
-          </a:bodyPr>
-          <a:lstStyle/>
-          <a:p>
-            <a:r>
-              <a:rPr lang="en-US" dirty="0"/>
-              <a:t>Mary Husain</a:t>
-            </a:r>
-          </a:p>
-          <a:p>
-            <a:pPr>
-              <a:buFontTx/>
-              <a:buChar char="-"/>
-            </a:pPr>
-            <a:r>
-              <a:rPr lang="en-US" dirty="0"/>
-              <a:t>Built the Backend Heroku Database for the ATM</a:t>
-            </a:r>
-          </a:p>
-          <a:p>
-            <a:pPr marL="0" indent="0">
-              <a:buNone/>
-            </a:pPr>
-            <a:r>
-              <a:rPr lang="en-US" dirty="0"/>
-              <a:t>- Set up network communication between front end and backend.</a:t>
-            </a:r>
-          </a:p>
-          <a:p>
-            <a:r>
-              <a:rPr lang="en-US" dirty="0"/>
-              <a:t>Andrew Quijano</a:t>
-            </a:r>
-          </a:p>
-          <a:p>
-            <a:pPr>
-              <a:buFontTx/>
-              <a:buChar char="-"/>
-            </a:pPr>
-            <a:r>
-              <a:rPr lang="en-US" dirty="0"/>
-              <a:t>Completed Power Point slides on installation, security, etc.</a:t>
-            </a:r>
-          </a:p>
-          <a:p>
-            <a:pPr>
-              <a:buFontTx/>
-              <a:buChar char="-"/>
-            </a:pPr>
-            <a:r>
-              <a:rPr lang="en-US" dirty="0"/>
-              <a:t>Completed overall system design and code documentation</a:t>
-            </a:r>
-          </a:p>
-          <a:p>
-            <a:r>
-              <a:rPr lang="en-US" dirty="0"/>
-              <a:t>Bryce </a:t>
-            </a:r>
-            <a:r>
-              <a:rPr lang="en-US" dirty="0" err="1"/>
-              <a:t>Yoo</a:t>
-            </a:r>
-            <a:endParaRPr lang="en-US" dirty="0"/>
-          </a:p>
-          <a:p>
-            <a:pPr>
-              <a:buFontTx/>
-              <a:buChar char="-"/>
-            </a:pPr>
-            <a:r>
-              <a:rPr lang="en-US" dirty="0"/>
-              <a:t>Completed PowerPoint outline and half of slides</a:t>
-            </a:r>
-          </a:p>
-          <a:p>
-            <a:pPr>
-              <a:buFontTx/>
-              <a:buChar char="-"/>
-            </a:pPr>
-            <a:r>
-              <a:rPr lang="en-US" dirty="0"/>
-              <a:t>Designed/wrote front end of webpage</a:t>
-            </a:r>
-          </a:p>
-          <a:p>
-            <a:r>
-              <a:rPr lang="en-US" dirty="0"/>
-              <a:t>Michal </a:t>
-            </a:r>
-            <a:r>
-              <a:rPr lang="en-US" dirty="0" err="1"/>
-              <a:t>Porubcin</a:t>
-            </a:r>
-            <a:endParaRPr lang="en-US" dirty="0"/>
-          </a:p>
-          <a:p>
-            <a:pPr>
-              <a:buFontTx/>
-              <a:buChar char="-"/>
-            </a:pPr>
-            <a:r>
-              <a:rPr lang="en-US" dirty="0"/>
-              <a:t>Implemented hashing to the ATM service</a:t>
-            </a:r>
-          </a:p>
-          <a:p>
-            <a:pPr>
-              <a:buFontTx/>
-              <a:buChar char="-"/>
-            </a:pPr>
-            <a:r>
-              <a:rPr lang="en-US" dirty="0"/>
-              <a:t>Tested ATM for bugs</a:t>
-            </a:r>
-          </a:p>
-        </p:txBody>
-      </p:sp>
-      <p:sp>
-        <p:nvSpPr>
-          <p:cNvPr id="3" name="Footer Placeholder 2">
-            <a:extLst>
-              <a:ext uri="{FF2B5EF4-FFF2-40B4-BE49-F238E27FC236}">
-                <a16:creationId xmlns:a16="http://schemas.microsoft.com/office/drawing/2014/main" id="{D0387B3E-22A5-4DA8-9AD0-43323613998F}"/>
-              </a:ext>
-            </a:extLst>
-          </p:cNvPr>
-          <p:cNvSpPr>
-            <a:spLocks noGrp="1"/>
-          </p:cNvSpPr>
-          <p:nvPr>
-            <p:ph type="ftr" sz="quarter" idx="11"/>
-          </p:nvPr>
-        </p:nvSpPr>
-        <p:spPr/>
-        <p:txBody>
-          <a:bodyPr/>
-          <a:lstStyle/>
-          <a:p>
-            <a:r>
-              <a:rPr lang="en-US"/>
-              <a:t>Group Four</a:t>
-            </a:r>
-            <a:endParaRPr lang="en-US" dirty="0"/>
-          </a:p>
-        </p:txBody>
-      </p:sp>
-      <p:sp>
-        <p:nvSpPr>
-          <p:cNvPr id="4" name="Title 3">
-            <a:extLst>
-              <a:ext uri="{FF2B5EF4-FFF2-40B4-BE49-F238E27FC236}">
-                <a16:creationId xmlns:a16="http://schemas.microsoft.com/office/drawing/2014/main" id="{077FEA34-A186-4AA3-9620-E3DDD48438F1}"/>
-              </a:ext>
-            </a:extLst>
-          </p:cNvPr>
-          <p:cNvSpPr>
-            <a:spLocks noGrp="1"/>
-          </p:cNvSpPr>
-          <p:nvPr>
-            <p:ph type="title"/>
-          </p:nvPr>
-        </p:nvSpPr>
-        <p:spPr/>
-        <p:txBody>
-          <a:bodyPr/>
-          <a:lstStyle/>
-          <a:p>
-            <a:r>
-              <a:rPr lang="en-US" dirty="0"/>
-              <a:t>Work Distribution</a:t>
-            </a:r>
-          </a:p>
-        </p:txBody>
-      </p:sp>
-      <p:sp>
-        <p:nvSpPr>
-          <p:cNvPr id="5" name="Slide Number Placeholder 4">
-            <a:extLst>
-              <a:ext uri="{FF2B5EF4-FFF2-40B4-BE49-F238E27FC236}">
-                <a16:creationId xmlns:a16="http://schemas.microsoft.com/office/drawing/2014/main" id="{5F01F5D4-CCDD-4F4B-8707-0E338C269CF7}"/>
-              </a:ext>
-            </a:extLst>
-          </p:cNvPr>
-          <p:cNvSpPr>
-            <a:spLocks noGrp="1"/>
-          </p:cNvSpPr>
-          <p:nvPr>
-            <p:ph type="sldNum" sz="quarter" idx="12"/>
-          </p:nvPr>
-        </p:nvSpPr>
-        <p:spPr/>
-        <p:txBody>
-          <a:bodyPr/>
-          <a:lstStyle/>
-          <a:p>
-            <a:fld id="{F2407EE3-A7AD-4D85-AA70-E0A9F1A7BE8D}" type="slidenum">
-              <a:rPr lang="en-US" smtClean="0"/>
-              <a:pPr/>
-              <a:t>18</a:t>
-            </a:fld>
-            <a:endParaRPr lang="en-US" dirty="0"/>
-          </a:p>
-        </p:txBody>
-      </p:sp>
-    </p:spTree>
-    <p:extLst>
-      <p:ext uri="{BB962C8B-B14F-4D97-AF65-F5344CB8AC3E}">
-        <p14:creationId xmlns:p14="http://schemas.microsoft.com/office/powerpoint/2010/main" val="286253540"/>
       </p:ext>
     </p:extLst>
   </p:cSld>
@@ -9958,6 +10606,260 @@
 </p:sld>
 </file>
 
+<file path=ppt/slides/slide20.xml><?xml version="1.0" encoding="utf-8"?>
+<p:sld xmlns:a="http://schemas.openxmlformats.org/drawingml/2006/main" xmlns:r="http://schemas.openxmlformats.org/officeDocument/2006/relationships" xmlns:p="http://schemas.openxmlformats.org/presentationml/2006/main">
+  <p:cSld>
+    <p:spTree>
+      <p:nvGrpSpPr>
+        <p:cNvPr id="1" name=""/>
+        <p:cNvGrpSpPr/>
+        <p:nvPr/>
+      </p:nvGrpSpPr>
+      <p:grpSpPr>
+        <a:xfrm>
+          <a:off x="0" y="0"/>
+          <a:ext cx="0" cy="0"/>
+          <a:chOff x="0" y="0"/>
+          <a:chExt cx="0" cy="0"/>
+        </a:xfrm>
+      </p:grpSpPr>
+      <p:sp>
+        <p:nvSpPr>
+          <p:cNvPr id="2" name="Content Placeholder 1">
+            <a:extLst>
+              <a:ext uri="{FF2B5EF4-FFF2-40B4-BE49-F238E27FC236}">
+                <a16:creationId xmlns:a16="http://schemas.microsoft.com/office/drawing/2014/main" id="{8452DFAC-08D5-4E61-9C75-093063A70A62}"/>
+              </a:ext>
+            </a:extLst>
+          </p:cNvPr>
+          <p:cNvSpPr>
+            <a:spLocks noGrp="1"/>
+          </p:cNvSpPr>
+          <p:nvPr>
+            <p:ph idx="1"/>
+          </p:nvPr>
+        </p:nvSpPr>
+        <p:spPr/>
+        <p:txBody>
+          <a:bodyPr>
+            <a:normAutofit fontScale="92500" lnSpcReduction="20000"/>
+          </a:bodyPr>
+          <a:lstStyle/>
+          <a:p>
+            <a:r>
+              <a:rPr lang="en-US" dirty="0"/>
+              <a:t>Mary Husain</a:t>
+            </a:r>
+          </a:p>
+          <a:p>
+            <a:pPr>
+              <a:buFontTx/>
+              <a:buChar char="-"/>
+            </a:pPr>
+            <a:r>
+              <a:rPr lang="en-US" dirty="0"/>
+              <a:t>Built the Backend Heroku Database for the ATM</a:t>
+            </a:r>
+          </a:p>
+          <a:p>
+            <a:pPr marL="0" indent="0">
+              <a:buNone/>
+            </a:pPr>
+            <a:r>
+              <a:rPr lang="en-US" dirty="0"/>
+              <a:t>- Set up network communication between front end and backend.</a:t>
+            </a:r>
+          </a:p>
+          <a:p>
+            <a:r>
+              <a:rPr lang="en-US" dirty="0"/>
+              <a:t>Andrew Quijano</a:t>
+            </a:r>
+          </a:p>
+          <a:p>
+            <a:pPr>
+              <a:buFontTx/>
+              <a:buChar char="-"/>
+            </a:pPr>
+            <a:r>
+              <a:rPr lang="en-US" dirty="0"/>
+              <a:t>Completed Power Point slides on installation, security, etc.</a:t>
+            </a:r>
+          </a:p>
+          <a:p>
+            <a:pPr>
+              <a:buFontTx/>
+              <a:buChar char="-"/>
+            </a:pPr>
+            <a:r>
+              <a:rPr lang="en-US" dirty="0"/>
+              <a:t>Completed overall system design and code documentation</a:t>
+            </a:r>
+          </a:p>
+          <a:p>
+            <a:r>
+              <a:rPr lang="en-US" dirty="0"/>
+              <a:t>Bryce </a:t>
+            </a:r>
+            <a:r>
+              <a:rPr lang="en-US" dirty="0" err="1"/>
+              <a:t>Yoo</a:t>
+            </a:r>
+            <a:endParaRPr lang="en-US" dirty="0"/>
+          </a:p>
+          <a:p>
+            <a:pPr>
+              <a:buFontTx/>
+              <a:buChar char="-"/>
+            </a:pPr>
+            <a:r>
+              <a:rPr lang="en-US" dirty="0"/>
+              <a:t>Completed PowerPoint outline and half of slides</a:t>
+            </a:r>
+          </a:p>
+          <a:p>
+            <a:pPr>
+              <a:buFontTx/>
+              <a:buChar char="-"/>
+            </a:pPr>
+            <a:r>
+              <a:rPr lang="en-US" dirty="0"/>
+              <a:t>Designed/wrote front end of webpage</a:t>
+            </a:r>
+          </a:p>
+          <a:p>
+            <a:r>
+              <a:rPr lang="en-US" dirty="0"/>
+              <a:t>Michal </a:t>
+            </a:r>
+            <a:r>
+              <a:rPr lang="en-US" dirty="0" err="1"/>
+              <a:t>Porubcin</a:t>
+            </a:r>
+            <a:endParaRPr lang="en-US" dirty="0"/>
+          </a:p>
+          <a:p>
+            <a:pPr>
+              <a:buFontTx/>
+              <a:buChar char="-"/>
+            </a:pPr>
+            <a:r>
+              <a:rPr lang="en-US" dirty="0"/>
+              <a:t>Implemented AES and Hashing to the ATM service</a:t>
+            </a:r>
+          </a:p>
+          <a:p>
+            <a:pPr>
+              <a:buFontTx/>
+              <a:buChar char="-"/>
+            </a:pPr>
+            <a:r>
+              <a:rPr lang="en-US" dirty="0"/>
+              <a:t>Tested ATM for bugs</a:t>
+            </a:r>
+          </a:p>
+        </p:txBody>
+      </p:sp>
+      <p:sp>
+        <p:nvSpPr>
+          <p:cNvPr id="3" name="Footer Placeholder 2">
+            <a:extLst>
+              <a:ext uri="{FF2B5EF4-FFF2-40B4-BE49-F238E27FC236}">
+                <a16:creationId xmlns:a16="http://schemas.microsoft.com/office/drawing/2014/main" id="{D0387B3E-22A5-4DA8-9AD0-43323613998F}"/>
+              </a:ext>
+            </a:extLst>
+          </p:cNvPr>
+          <p:cNvSpPr>
+            <a:spLocks noGrp="1"/>
+          </p:cNvSpPr>
+          <p:nvPr>
+            <p:ph type="ftr" sz="quarter" idx="11"/>
+          </p:nvPr>
+        </p:nvSpPr>
+        <p:spPr/>
+        <p:txBody>
+          <a:bodyPr/>
+          <a:lstStyle/>
+          <a:p>
+            <a:r>
+              <a:rPr lang="en-US"/>
+              <a:t>Group Four</a:t>
+            </a:r>
+            <a:endParaRPr lang="en-US" dirty="0"/>
+          </a:p>
+        </p:txBody>
+      </p:sp>
+      <p:sp>
+        <p:nvSpPr>
+          <p:cNvPr id="4" name="Title 3">
+            <a:extLst>
+              <a:ext uri="{FF2B5EF4-FFF2-40B4-BE49-F238E27FC236}">
+                <a16:creationId xmlns:a16="http://schemas.microsoft.com/office/drawing/2014/main" id="{077FEA34-A186-4AA3-9620-E3DDD48438F1}"/>
+              </a:ext>
+            </a:extLst>
+          </p:cNvPr>
+          <p:cNvSpPr>
+            <a:spLocks noGrp="1"/>
+          </p:cNvSpPr>
+          <p:nvPr>
+            <p:ph type="title"/>
+          </p:nvPr>
+        </p:nvSpPr>
+        <p:spPr/>
+        <p:txBody>
+          <a:bodyPr/>
+          <a:lstStyle/>
+          <a:p>
+            <a:r>
+              <a:rPr lang="en-US" dirty="0"/>
+              <a:t>Work Distribution</a:t>
+            </a:r>
+          </a:p>
+        </p:txBody>
+      </p:sp>
+      <p:sp>
+        <p:nvSpPr>
+          <p:cNvPr id="5" name="Slide Number Placeholder 4">
+            <a:extLst>
+              <a:ext uri="{FF2B5EF4-FFF2-40B4-BE49-F238E27FC236}">
+                <a16:creationId xmlns:a16="http://schemas.microsoft.com/office/drawing/2014/main" id="{5F01F5D4-CCDD-4F4B-8707-0E338C269CF7}"/>
+              </a:ext>
+            </a:extLst>
+          </p:cNvPr>
+          <p:cNvSpPr>
+            <a:spLocks noGrp="1"/>
+          </p:cNvSpPr>
+          <p:nvPr>
+            <p:ph type="sldNum" sz="quarter" idx="12"/>
+          </p:nvPr>
+        </p:nvSpPr>
+        <p:spPr/>
+        <p:txBody>
+          <a:bodyPr/>
+          <a:lstStyle/>
+          <a:p>
+            <a:fld id="{F2407EE3-A7AD-4D85-AA70-E0A9F1A7BE8D}" type="slidenum">
+              <a:rPr lang="en-US" smtClean="0"/>
+              <a:pPr/>
+              <a:t>20</a:t>
+            </a:fld>
+            <a:endParaRPr lang="en-US" dirty="0"/>
+          </a:p>
+        </p:txBody>
+      </p:sp>
+    </p:spTree>
+    <p:extLst>
+      <p:ext uri="{BB962C8B-B14F-4D97-AF65-F5344CB8AC3E}">
+        <p14:creationId xmlns:p14="http://schemas.microsoft.com/office/powerpoint/2010/main" val="286253540"/>
+      </p:ext>
+    </p:extLst>
+  </p:cSld>
+  <p:clrMapOvr>
+    <a:masterClrMapping/>
+  </p:clrMapOvr>
+</p:sld>
+</file>
+
 <file path=ppt/slides/slide3.xml><?xml version="1.0" encoding="utf-8"?>
 <p:sld xmlns:a="http://schemas.openxmlformats.org/drawingml/2006/main" xmlns:r="http://schemas.openxmlformats.org/officeDocument/2006/relationships" xmlns:p="http://schemas.openxmlformats.org/presentationml/2006/main">
   <p:cSld>
@@ -10084,7 +10986,7 @@
         </p:nvGraphicFramePr>
         <p:xfrm>
           <a:off x="1179710" y="1340305"/>
-          <a:ext cx="6775692" cy="3379970"/>
+          <a:ext cx="6775692" cy="3402638"/>
         </p:xfrm>
         <a:graphic>
           <a:graphicData uri="http://schemas.openxmlformats.org/drawingml/2006/table">
@@ -13225,7 +14127,7 @@
           <p:cNvPr id="2" name="Content Placeholder 1">
             <a:extLst>
               <a:ext uri="{FF2B5EF4-FFF2-40B4-BE49-F238E27FC236}">
-                <a16:creationId xmlns:a16="http://schemas.microsoft.com/office/drawing/2014/main" id="{8A788E4D-8681-4ECA-89B1-2FA6A4983EA4}"/>
+                <a16:creationId xmlns:a16="http://schemas.microsoft.com/office/drawing/2014/main" id="{5C0F1935-BF7A-4536-9740-466FDD274B55}"/>
               </a:ext>
             </a:extLst>
           </p:cNvPr>
@@ -13236,15 +14138,46 @@
             <p:ph idx="1"/>
           </p:nvPr>
         </p:nvSpPr>
-        <p:spPr/>
+        <p:spPr>
+          <a:xfrm>
+            <a:off x="466871" y="869816"/>
+            <a:ext cx="8191794" cy="3681081"/>
+          </a:xfrm>
+        </p:spPr>
         <p:txBody>
           <a:bodyPr/>
           <a:lstStyle/>
           <a:p>
             <a:r>
               <a:rPr lang="en-US" dirty="0"/>
-              <a:t>Program Workflow</a:t>
-            </a:r>
+              <a:t>To install: Create new Project, and select ASP.NET Web Application</a:t>
+            </a:r>
+          </a:p>
+          <a:p>
+            <a:r>
+              <a:rPr lang="en-US" dirty="0"/>
+              <a:t>Select ASP.NET 4.6.1 Templates, Web Form. </a:t>
+            </a:r>
+          </a:p>
+          <a:p>
+            <a:r>
+              <a:rPr lang="en-US" dirty="0"/>
+              <a:t>After copying/adding files to solutions, install the following packages (seen in </a:t>
+            </a:r>
+            <a:r>
+              <a:rPr lang="en-US" dirty="0" err="1"/>
+              <a:t>packages.config</a:t>
+            </a:r>
+            <a:r>
+              <a:rPr lang="en-US" dirty="0"/>
+              <a:t>) using Nuget.</a:t>
+            </a:r>
+          </a:p>
+          <a:p>
+            <a:endParaRPr lang="en-US" dirty="0"/>
+          </a:p>
+          <a:p>
+            <a:endParaRPr lang="en-US" dirty="0"/>
           </a:p>
         </p:txBody>
       </p:sp>
@@ -13253,7 +14186,7 @@
           <p:cNvPr id="3" name="Footer Placeholder 2">
             <a:extLst>
               <a:ext uri="{FF2B5EF4-FFF2-40B4-BE49-F238E27FC236}">
-                <a16:creationId xmlns:a16="http://schemas.microsoft.com/office/drawing/2014/main" id="{C1E7C6BC-68B4-42B8-B1C1-773812D15281}"/>
+                <a16:creationId xmlns:a16="http://schemas.microsoft.com/office/drawing/2014/main" id="{2DDAEA77-A3A3-41CF-9E79-38786B29C8AF}"/>
               </a:ext>
             </a:extLst>
           </p:cNvPr>
@@ -13282,7 +14215,7 @@
           <p:cNvPr id="4" name="Title 3">
             <a:extLst>
               <a:ext uri="{FF2B5EF4-FFF2-40B4-BE49-F238E27FC236}">
-                <a16:creationId xmlns:a16="http://schemas.microsoft.com/office/drawing/2014/main" id="{C17659F8-6188-439F-8042-BAACD47E2365}"/>
+                <a16:creationId xmlns:a16="http://schemas.microsoft.com/office/drawing/2014/main" id="{322072E9-14BE-47EB-86F1-3681179B12C9}"/>
               </a:ext>
             </a:extLst>
           </p:cNvPr>
@@ -13300,7 +14233,7 @@
           <a:p>
             <a:r>
               <a:rPr lang="en-US" dirty="0"/>
-              <a:t>Core Functionality</a:t>
+              <a:t>Installation</a:t>
             </a:r>
           </a:p>
         </p:txBody>
@@ -13310,7 +14243,7 @@
           <p:cNvPr id="5" name="Slide Number Placeholder 4">
             <a:extLst>
               <a:ext uri="{FF2B5EF4-FFF2-40B4-BE49-F238E27FC236}">
-                <a16:creationId xmlns:a16="http://schemas.microsoft.com/office/drawing/2014/main" id="{07F88ABD-EA64-4B20-A311-1D97B1BC1A39}"/>
+                <a16:creationId xmlns:a16="http://schemas.microsoft.com/office/drawing/2014/main" id="{B31D6DDD-88BF-4A82-A17E-DD335331003E}"/>
               </a:ext>
             </a:extLst>
           </p:cNvPr>
@@ -13337,10 +14270,10 @@
       </p:sp>
       <p:grpSp>
         <p:nvGrpSpPr>
-          <p:cNvPr id="6" name="Group 89">
+          <p:cNvPr id="10" name="Group 89">
             <a:extLst>
               <a:ext uri="{FF2B5EF4-FFF2-40B4-BE49-F238E27FC236}">
-                <a16:creationId xmlns:a16="http://schemas.microsoft.com/office/drawing/2014/main" id="{9B072982-87C4-4467-83DF-6B9DC233ECF5}"/>
+                <a16:creationId xmlns:a16="http://schemas.microsoft.com/office/drawing/2014/main" id="{0808CFC5-6272-4B7E-BBA4-BC4C3FBEAAA6}"/>
               </a:ext>
             </a:extLst>
           </p:cNvPr>
@@ -13364,10 +14297,10 @@
         </p:grpSpPr>
         <p:sp>
           <p:nvSpPr>
-            <p:cNvPr id="7" name="AutoShape 90">
+            <p:cNvPr id="11" name="AutoShape 90">
               <a:extLst>
                 <a:ext uri="{FF2B5EF4-FFF2-40B4-BE49-F238E27FC236}">
-                  <a16:creationId xmlns:a16="http://schemas.microsoft.com/office/drawing/2014/main" id="{FE9BB3CB-ABF7-4618-AA48-B307E38A2E1A}"/>
+                  <a16:creationId xmlns:a16="http://schemas.microsoft.com/office/drawing/2014/main" id="{0BA8C6F5-E325-4CA7-A692-A51EE8E98842}"/>
                 </a:ext>
               </a:extLst>
             </p:cNvPr>
@@ -13411,10 +14344,10 @@
         </p:sp>
         <p:sp>
           <p:nvSpPr>
-            <p:cNvPr id="8" name="AutoShape 91">
+            <p:cNvPr id="12" name="AutoShape 91">
               <a:extLst>
                 <a:ext uri="{FF2B5EF4-FFF2-40B4-BE49-F238E27FC236}">
-                  <a16:creationId xmlns:a16="http://schemas.microsoft.com/office/drawing/2014/main" id="{14523463-8C13-48FB-A2EC-02CF6C535DFB}"/>
+                  <a16:creationId xmlns:a16="http://schemas.microsoft.com/office/drawing/2014/main" id="{A79C7063-35B9-4DBE-869E-04ACB1E0EB88}"/>
                 </a:ext>
               </a:extLst>
             </p:cNvPr>
@@ -13458,10 +14391,10 @@
         </p:sp>
         <p:sp>
           <p:nvSpPr>
-            <p:cNvPr id="9" name="AutoShape 92">
+            <p:cNvPr id="13" name="AutoShape 92">
               <a:extLst>
                 <a:ext uri="{FF2B5EF4-FFF2-40B4-BE49-F238E27FC236}">
-                  <a16:creationId xmlns:a16="http://schemas.microsoft.com/office/drawing/2014/main" id="{D8997C58-47BA-4E8A-BDE8-0855A95767E5}"/>
+                  <a16:creationId xmlns:a16="http://schemas.microsoft.com/office/drawing/2014/main" id="{C43CB012-AEFD-4846-9A0C-FF415AFFFD98}"/>
                 </a:ext>
               </a:extLst>
             </p:cNvPr>
@@ -13505,10 +14438,438 @@
         </p:sp>
         <p:sp>
           <p:nvSpPr>
-            <p:cNvPr id="10" name="AutoShape 93">
+            <p:cNvPr id="14" name="AutoShape 93">
               <a:extLst>
                 <a:ext uri="{FF2B5EF4-FFF2-40B4-BE49-F238E27FC236}">
-                  <a16:creationId xmlns:a16="http://schemas.microsoft.com/office/drawing/2014/main" id="{9F94FCF5-08E5-46E4-971B-FB20A02B671B}"/>
+                  <a16:creationId xmlns:a16="http://schemas.microsoft.com/office/drawing/2014/main" id="{5943A4D3-7B89-44F2-AFE9-B4973747B1A0}"/>
+                </a:ext>
+              </a:extLst>
+            </p:cNvPr>
+            <p:cNvSpPr>
+              <a:spLocks noChangeArrowheads="1"/>
+            </p:cNvSpPr>
+            <p:nvPr/>
+          </p:nvSpPr>
+          <p:spPr bwMode="auto">
+            <a:xfrm>
+              <a:off x="852" y="3385"/>
+              <a:ext cx="227" cy="136"/>
+            </a:xfrm>
+            <a:prstGeom prst="homePlate">
+              <a:avLst>
+                <a:gd name="adj" fmla="val 41728"/>
+              </a:avLst>
+            </a:prstGeom>
+            <a:solidFill>
+              <a:srgbClr val="002060"/>
+            </a:solidFill>
+            <a:ln w="6350" algn="ctr">
+              <a:solidFill>
+                <a:srgbClr val="002060"/>
+              </a:solidFill>
+              <a:miter lim="800000"/>
+              <a:headEnd type="none" w="sm" len="sm"/>
+              <a:tailEnd type="none" w="med" len="lg"/>
+            </a:ln>
+          </p:spPr>
+          <p:txBody>
+            <a:bodyPr tIns="68580" bIns="68580" anchor="ctr"/>
+            <a:lstStyle/>
+            <a:p>
+              <a:pPr algn="ctr">
+                <a:defRPr/>
+              </a:pPr>
+              <a:endParaRPr lang="en-GB" sz="1214" dirty="0"/>
+            </a:p>
+          </p:txBody>
+        </p:sp>
+      </p:grpSp>
+      <p:pic>
+        <p:nvPicPr>
+          <p:cNvPr id="9" name="Picture 8">
+            <a:extLst>
+              <a:ext uri="{FF2B5EF4-FFF2-40B4-BE49-F238E27FC236}">
+                <a16:creationId xmlns:a16="http://schemas.microsoft.com/office/drawing/2014/main" id="{12CCCF9E-24ED-4729-9974-B19649A19BB7}"/>
+              </a:ext>
+            </a:extLst>
+          </p:cNvPr>
+          <p:cNvPicPr>
+            <a:picLocks noChangeAspect="1"/>
+          </p:cNvPicPr>
+          <p:nvPr/>
+        </p:nvPicPr>
+        <p:blipFill>
+          <a:blip r:embed="rId2">
+            <a:extLst>
+              <a:ext uri="{28A0092B-C50C-407E-A947-70E740481C1C}">
+                <a14:useLocalDpi xmlns:a14="http://schemas.microsoft.com/office/drawing/2010/main" val="0"/>
+              </a:ext>
+            </a:extLst>
+          </a:blip>
+          <a:stretch>
+            <a:fillRect/>
+          </a:stretch>
+        </p:blipFill>
+        <p:spPr>
+          <a:xfrm>
+            <a:off x="485335" y="2710357"/>
+            <a:ext cx="8173330" cy="1801912"/>
+          </a:xfrm>
+          <a:prstGeom prst="rect">
+            <a:avLst/>
+          </a:prstGeom>
+        </p:spPr>
+      </p:pic>
+    </p:spTree>
+    <p:extLst>
+      <p:ext uri="{BB962C8B-B14F-4D97-AF65-F5344CB8AC3E}">
+        <p14:creationId xmlns:p14="http://schemas.microsoft.com/office/powerpoint/2010/main" val="2339252620"/>
+      </p:ext>
+    </p:extLst>
+  </p:cSld>
+  <p:clrMapOvr>
+    <a:masterClrMapping/>
+  </p:clrMapOvr>
+</p:sld>
+</file>
+
+<file path=ppt/slides/slide6.xml><?xml version="1.0" encoding="utf-8"?>
+<p:sld xmlns:a="http://schemas.openxmlformats.org/drawingml/2006/main" xmlns:r="http://schemas.openxmlformats.org/officeDocument/2006/relationships" xmlns:p="http://schemas.openxmlformats.org/presentationml/2006/main">
+  <p:cSld>
+    <p:spTree>
+      <p:nvGrpSpPr>
+        <p:cNvPr id="1" name=""/>
+        <p:cNvGrpSpPr/>
+        <p:nvPr/>
+      </p:nvGrpSpPr>
+      <p:grpSpPr>
+        <a:xfrm>
+          <a:off x="0" y="0"/>
+          <a:ext cx="0" cy="0"/>
+          <a:chOff x="0" y="0"/>
+          <a:chExt cx="0" cy="0"/>
+        </a:xfrm>
+      </p:grpSpPr>
+      <p:sp>
+        <p:nvSpPr>
+          <p:cNvPr id="2" name="Content Placeholder 1">
+            <a:extLst>
+              <a:ext uri="{FF2B5EF4-FFF2-40B4-BE49-F238E27FC236}">
+                <a16:creationId xmlns:a16="http://schemas.microsoft.com/office/drawing/2014/main" id="{5C0F1935-BF7A-4536-9740-466FDD274B55}"/>
+              </a:ext>
+            </a:extLst>
+          </p:cNvPr>
+          <p:cNvSpPr>
+            <a:spLocks noGrp="1"/>
+          </p:cNvSpPr>
+          <p:nvPr>
+            <p:ph idx="1"/>
+          </p:nvPr>
+        </p:nvSpPr>
+        <p:spPr>
+          <a:xfrm>
+            <a:off x="466871" y="869816"/>
+            <a:ext cx="8191794" cy="3681081"/>
+          </a:xfrm>
+        </p:spPr>
+        <p:txBody>
+          <a:bodyPr>
+            <a:normAutofit fontScale="92500" lnSpcReduction="10000"/>
+          </a:bodyPr>
+          <a:lstStyle/>
+          <a:p>
+            <a:r>
+              <a:rPr lang="en-US" dirty="0"/>
+              <a:t>To test our ATM system, simply download the ATM-Web project, build the project, and run on your local machine.</a:t>
+            </a:r>
+          </a:p>
+          <a:p>
+            <a:r>
+              <a:rPr lang="en-US" dirty="0"/>
+              <a:t> Note: The page may take awhile to load initially because the server (hosted on Heroku) takes a long time to wake up. </a:t>
+            </a:r>
+          </a:p>
+          <a:p>
+            <a:r>
+              <a:rPr lang="en-US" dirty="0"/>
+              <a:t>Additionally, due to the unfortunate limitations imposed by the free-tier Heroku service, the database is periodically wiped. This should not affect testing in the short term (i.e. any accounts you make should be there immediately after you create them), but if you create an account, then stop interacting with the website for a significant period of time and come back later and try to log in, you may find your account has been erased. There is unfortunately nothing we can do to prevent this.</a:t>
+            </a:r>
+          </a:p>
+          <a:p>
+            <a:r>
+              <a:rPr lang="en-US" dirty="0"/>
+              <a:t>https://github.com/mari-husain/csharp-atm</a:t>
+            </a:r>
+          </a:p>
+          <a:p>
+            <a:endParaRPr lang="en-US" dirty="0"/>
+          </a:p>
+          <a:p>
+            <a:endParaRPr lang="en-US" dirty="0"/>
+          </a:p>
+        </p:txBody>
+      </p:sp>
+      <p:sp>
+        <p:nvSpPr>
+          <p:cNvPr id="3" name="Footer Placeholder 2">
+            <a:extLst>
+              <a:ext uri="{FF2B5EF4-FFF2-40B4-BE49-F238E27FC236}">
+                <a16:creationId xmlns:a16="http://schemas.microsoft.com/office/drawing/2014/main" id="{2DDAEA77-A3A3-41CF-9E79-38786B29C8AF}"/>
+              </a:ext>
+            </a:extLst>
+          </p:cNvPr>
+          <p:cNvSpPr>
+            <a:spLocks noGrp="1"/>
+          </p:cNvSpPr>
+          <p:nvPr>
+            <p:ph type="ftr" sz="quarter" idx="11"/>
+          </p:nvPr>
+        </p:nvSpPr>
+        <p:spPr/>
+        <p:txBody>
+          <a:bodyPr/>
+          <a:lstStyle/>
+          <a:p>
+            <a:r>
+              <a:rPr lang="en-US"/>
+              <a:t>Group Four</a:t>
+            </a:r>
+            <a:endParaRPr lang="en-US" dirty="0"/>
+          </a:p>
+        </p:txBody>
+      </p:sp>
+      <p:sp>
+        <p:nvSpPr>
+          <p:cNvPr id="4" name="Title 3">
+            <a:extLst>
+              <a:ext uri="{FF2B5EF4-FFF2-40B4-BE49-F238E27FC236}">
+                <a16:creationId xmlns:a16="http://schemas.microsoft.com/office/drawing/2014/main" id="{322072E9-14BE-47EB-86F1-3681179B12C9}"/>
+              </a:ext>
+            </a:extLst>
+          </p:cNvPr>
+          <p:cNvSpPr>
+            <a:spLocks noGrp="1"/>
+          </p:cNvSpPr>
+          <p:nvPr>
+            <p:ph type="title"/>
+          </p:nvPr>
+        </p:nvSpPr>
+        <p:spPr/>
+        <p:txBody>
+          <a:bodyPr/>
+          <a:lstStyle/>
+          <a:p>
+            <a:r>
+              <a:rPr lang="en-US" dirty="0"/>
+              <a:t>Launch Project</a:t>
+            </a:r>
+          </a:p>
+        </p:txBody>
+      </p:sp>
+      <p:sp>
+        <p:nvSpPr>
+          <p:cNvPr id="5" name="Slide Number Placeholder 4">
+            <a:extLst>
+              <a:ext uri="{FF2B5EF4-FFF2-40B4-BE49-F238E27FC236}">
+                <a16:creationId xmlns:a16="http://schemas.microsoft.com/office/drawing/2014/main" id="{B31D6DDD-88BF-4A82-A17E-DD335331003E}"/>
+              </a:ext>
+            </a:extLst>
+          </p:cNvPr>
+          <p:cNvSpPr>
+            <a:spLocks noGrp="1"/>
+          </p:cNvSpPr>
+          <p:nvPr>
+            <p:ph type="sldNum" sz="quarter" idx="12"/>
+          </p:nvPr>
+        </p:nvSpPr>
+        <p:spPr/>
+        <p:txBody>
+          <a:bodyPr/>
+          <a:lstStyle/>
+          <a:p>
+            <a:fld id="{F2407EE3-A7AD-4D85-AA70-E0A9F1A7BE8D}" type="slidenum">
+              <a:rPr lang="en-US" smtClean="0"/>
+              <a:pPr/>
+              <a:t>6</a:t>
+            </a:fld>
+            <a:endParaRPr lang="en-US" dirty="0"/>
+          </a:p>
+        </p:txBody>
+      </p:sp>
+      <p:grpSp>
+        <p:nvGrpSpPr>
+          <p:cNvPr id="10" name="Group 89">
+            <a:extLst>
+              <a:ext uri="{FF2B5EF4-FFF2-40B4-BE49-F238E27FC236}">
+                <a16:creationId xmlns:a16="http://schemas.microsoft.com/office/drawing/2014/main" id="{0808CFC5-6272-4B7E-BBA4-BC4C3FBEAAA6}"/>
+              </a:ext>
+            </a:extLst>
+          </p:cNvPr>
+          <p:cNvGrpSpPr>
+            <a:grpSpLocks/>
+          </p:cNvGrpSpPr>
+          <p:nvPr/>
+        </p:nvGrpSpPr>
+        <p:grpSpPr bwMode="auto">
+          <a:xfrm>
+            <a:off x="7643747" y="320040"/>
+            <a:ext cx="1079599" cy="161925"/>
+            <a:chOff x="852" y="3385"/>
+            <a:chExt cx="906" cy="136"/>
+          </a:xfrm>
+          <a:solidFill>
+            <a:schemeClr val="accent2">
+              <a:lumMod val="75000"/>
+            </a:schemeClr>
+          </a:solidFill>
+        </p:grpSpPr>
+        <p:sp>
+          <p:nvSpPr>
+            <p:cNvPr id="11" name="AutoShape 90">
+              <a:extLst>
+                <a:ext uri="{FF2B5EF4-FFF2-40B4-BE49-F238E27FC236}">
+                  <a16:creationId xmlns:a16="http://schemas.microsoft.com/office/drawing/2014/main" id="{0BA8C6F5-E325-4CA7-A692-A51EE8E98842}"/>
+                </a:ext>
+              </a:extLst>
+            </p:cNvPr>
+            <p:cNvSpPr>
+              <a:spLocks noChangeArrowheads="1"/>
+            </p:cNvSpPr>
+            <p:nvPr/>
+          </p:nvSpPr>
+          <p:spPr bwMode="auto">
+            <a:xfrm>
+              <a:off x="1079" y="3385"/>
+              <a:ext cx="226" cy="136"/>
+            </a:xfrm>
+            <a:prstGeom prst="chevron">
+              <a:avLst>
+                <a:gd name="adj" fmla="val 41544"/>
+              </a:avLst>
+            </a:prstGeom>
+            <a:solidFill>
+              <a:schemeClr val="bg1"/>
+            </a:solidFill>
+            <a:ln w="6350" algn="ctr">
+              <a:solidFill>
+                <a:srgbClr val="002060"/>
+              </a:solidFill>
+              <a:miter lim="800000"/>
+              <a:headEnd type="none" w="sm" len="sm"/>
+              <a:tailEnd type="none" w="med" len="lg"/>
+            </a:ln>
+          </p:spPr>
+          <p:txBody>
+            <a:bodyPr tIns="68580" bIns="68580" anchor="ctr"/>
+            <a:lstStyle/>
+            <a:p>
+              <a:pPr algn="ctr">
+                <a:defRPr/>
+              </a:pPr>
+              <a:endParaRPr lang="en-GB" sz="1214" dirty="0"/>
+            </a:p>
+          </p:txBody>
+        </p:sp>
+        <p:sp>
+          <p:nvSpPr>
+            <p:cNvPr id="12" name="AutoShape 91">
+              <a:extLst>
+                <a:ext uri="{FF2B5EF4-FFF2-40B4-BE49-F238E27FC236}">
+                  <a16:creationId xmlns:a16="http://schemas.microsoft.com/office/drawing/2014/main" id="{A79C7063-35B9-4DBE-869E-04ACB1E0EB88}"/>
+                </a:ext>
+              </a:extLst>
+            </p:cNvPr>
+            <p:cNvSpPr>
+              <a:spLocks noChangeArrowheads="1"/>
+            </p:cNvSpPr>
+            <p:nvPr/>
+          </p:nvSpPr>
+          <p:spPr bwMode="auto">
+            <a:xfrm>
+              <a:off x="1306" y="3385"/>
+              <a:ext cx="225" cy="136"/>
+            </a:xfrm>
+            <a:prstGeom prst="chevron">
+              <a:avLst>
+                <a:gd name="adj" fmla="val 41544"/>
+              </a:avLst>
+            </a:prstGeom>
+            <a:solidFill>
+              <a:schemeClr val="bg1"/>
+            </a:solidFill>
+            <a:ln w="6350" algn="ctr">
+              <a:solidFill>
+                <a:srgbClr val="002060"/>
+              </a:solidFill>
+              <a:miter lim="800000"/>
+              <a:headEnd type="none" w="sm" len="sm"/>
+              <a:tailEnd type="none" w="med" len="lg"/>
+            </a:ln>
+          </p:spPr>
+          <p:txBody>
+            <a:bodyPr tIns="68580" bIns="68580" anchor="ctr"/>
+            <a:lstStyle/>
+            <a:p>
+              <a:pPr algn="ctr">
+                <a:defRPr/>
+              </a:pPr>
+              <a:endParaRPr lang="en-GB" sz="1214" dirty="0"/>
+            </a:p>
+          </p:txBody>
+        </p:sp>
+        <p:sp>
+          <p:nvSpPr>
+            <p:cNvPr id="13" name="AutoShape 92">
+              <a:extLst>
+                <a:ext uri="{FF2B5EF4-FFF2-40B4-BE49-F238E27FC236}">
+                  <a16:creationId xmlns:a16="http://schemas.microsoft.com/office/drawing/2014/main" id="{C43CB012-AEFD-4846-9A0C-FF415AFFFD98}"/>
+                </a:ext>
+              </a:extLst>
+            </p:cNvPr>
+            <p:cNvSpPr>
+              <a:spLocks noChangeArrowheads="1"/>
+            </p:cNvSpPr>
+            <p:nvPr/>
+          </p:nvSpPr>
+          <p:spPr bwMode="auto">
+            <a:xfrm>
+              <a:off x="1532" y="3385"/>
+              <a:ext cx="226" cy="136"/>
+            </a:xfrm>
+            <a:prstGeom prst="chevron">
+              <a:avLst>
+                <a:gd name="adj" fmla="val 41544"/>
+              </a:avLst>
+            </a:prstGeom>
+            <a:solidFill>
+              <a:schemeClr val="bg1"/>
+            </a:solidFill>
+            <a:ln w="6350" algn="ctr">
+              <a:solidFill>
+                <a:srgbClr val="002060"/>
+              </a:solidFill>
+              <a:miter lim="800000"/>
+              <a:headEnd type="none" w="sm" len="sm"/>
+              <a:tailEnd type="none" w="med" len="lg"/>
+            </a:ln>
+          </p:spPr>
+          <p:txBody>
+            <a:bodyPr tIns="68580" bIns="68580" anchor="ctr"/>
+            <a:lstStyle/>
+            <a:p>
+              <a:pPr algn="ctr">
+                <a:defRPr/>
+              </a:pPr>
+              <a:endParaRPr lang="en-GB" sz="1214" dirty="0"/>
+            </a:p>
+          </p:txBody>
+        </p:sp>
+        <p:sp>
+          <p:nvSpPr>
+            <p:cNvPr id="14" name="AutoShape 93">
+              <a:extLst>
+                <a:ext uri="{FF2B5EF4-FFF2-40B4-BE49-F238E27FC236}">
+                  <a16:creationId xmlns:a16="http://schemas.microsoft.com/office/drawing/2014/main" id="{5943A4D3-7B89-44F2-AFE9-B4973747B1A0}"/>
                 </a:ext>
               </a:extLst>
             </p:cNvPr>
@@ -13554,7 +14915,7 @@
     </p:spTree>
     <p:extLst>
       <p:ext uri="{BB962C8B-B14F-4D97-AF65-F5344CB8AC3E}">
-        <p14:creationId xmlns:p14="http://schemas.microsoft.com/office/powerpoint/2010/main" val="1533577683"/>
+        <p14:creationId xmlns:p14="http://schemas.microsoft.com/office/powerpoint/2010/main" val="2874580292"/>
       </p:ext>
     </p:extLst>
   </p:cSld>
@@ -13564,7 +14925,577 @@
 </p:sld>
 </file>
 
-<file path=ppt/slides/slide6.xml><?xml version="1.0" encoding="utf-8"?>
+<file path=ppt/slides/slide7.xml><?xml version="1.0" encoding="utf-8"?>
+<p:sld xmlns:a="http://schemas.openxmlformats.org/drawingml/2006/main" xmlns:r="http://schemas.openxmlformats.org/officeDocument/2006/relationships" xmlns:p="http://schemas.openxmlformats.org/presentationml/2006/main">
+  <p:cSld>
+    <p:spTree>
+      <p:nvGrpSpPr>
+        <p:cNvPr id="1" name=""/>
+        <p:cNvGrpSpPr/>
+        <p:nvPr/>
+      </p:nvGrpSpPr>
+      <p:grpSpPr>
+        <a:xfrm>
+          <a:off x="0" y="0"/>
+          <a:ext cx="0" cy="0"/>
+          <a:chOff x="0" y="0"/>
+          <a:chExt cx="0" cy="0"/>
+        </a:xfrm>
+      </p:grpSpPr>
+      <p:sp>
+        <p:nvSpPr>
+          <p:cNvPr id="2" name="Content Placeholder 1">
+            <a:extLst>
+              <a:ext uri="{FF2B5EF4-FFF2-40B4-BE49-F238E27FC236}">
+                <a16:creationId xmlns:a16="http://schemas.microsoft.com/office/drawing/2014/main" id="{5C0F1935-BF7A-4536-9740-466FDD274B55}"/>
+              </a:ext>
+            </a:extLst>
+          </p:cNvPr>
+          <p:cNvSpPr>
+            <a:spLocks noGrp="1"/>
+          </p:cNvSpPr>
+          <p:nvPr>
+            <p:ph idx="1"/>
+          </p:nvPr>
+        </p:nvSpPr>
+        <p:spPr>
+          <a:xfrm>
+            <a:off x="466871" y="869816"/>
+            <a:ext cx="8191794" cy="3681081"/>
+          </a:xfrm>
+        </p:spPr>
+        <p:txBody>
+          <a:bodyPr>
+            <a:normAutofit fontScale="55000" lnSpcReduction="20000"/>
+          </a:bodyPr>
+          <a:lstStyle/>
+          <a:p>
+            <a:r>
+              <a:rPr lang="en-US" dirty="0"/>
+              <a:t>To create a persistent database, you can use the code in </a:t>
+            </a:r>
+            <a:r>
+              <a:rPr lang="en-US" dirty="0" err="1"/>
+              <a:t>atm_backend</a:t>
+            </a:r>
+            <a:r>
+              <a:rPr lang="en-US" dirty="0"/>
+              <a:t> to create your own locally hosted database API. You'll have to do the following:</a:t>
+            </a:r>
+            <a:br>
+              <a:rPr lang="en-US" dirty="0"/>
+            </a:br>
+            <a:r>
+              <a:rPr lang="en-US" dirty="0"/>
+              <a:t>1. In the command prompt, navigate to Other/</a:t>
+            </a:r>
+            <a:r>
+              <a:rPr lang="en-US" dirty="0" err="1"/>
+              <a:t>atm_backend</a:t>
+            </a:r>
+            <a:r>
+              <a:rPr lang="en-US" dirty="0"/>
+              <a:t>.</a:t>
+            </a:r>
+          </a:p>
+          <a:p>
+            <a:r>
+              <a:rPr lang="en-US" dirty="0"/>
+              <a:t>2. type 'python3' to activate the python3 interpreter.</a:t>
+            </a:r>
+          </a:p>
+          <a:p>
+            <a:r>
+              <a:rPr lang="en-US" dirty="0"/>
+              <a:t>3. In the interpreter, enter 'from </a:t>
+            </a:r>
+            <a:r>
+              <a:rPr lang="en-US" dirty="0" err="1"/>
+              <a:t>atm_serv</a:t>
+            </a:r>
+            <a:r>
+              <a:rPr lang="en-US" dirty="0"/>
+              <a:t> import </a:t>
+            </a:r>
+            <a:r>
+              <a:rPr lang="en-US" dirty="0" err="1"/>
+              <a:t>init_db</a:t>
+            </a:r>
+            <a:r>
+              <a:rPr lang="en-US" dirty="0"/>
+              <a:t>'</a:t>
+            </a:r>
+          </a:p>
+          <a:p>
+            <a:r>
+              <a:rPr lang="en-US" dirty="0"/>
+              <a:t>4. in the interpreter, enter '</a:t>
+            </a:r>
+            <a:r>
+              <a:rPr lang="en-US" dirty="0" err="1"/>
+              <a:t>init_db</a:t>
+            </a:r>
+            <a:r>
+              <a:rPr lang="en-US" dirty="0"/>
+              <a:t>()'</a:t>
+            </a:r>
+          </a:p>
+          <a:p>
+            <a:r>
+              <a:rPr lang="en-US" dirty="0"/>
+              <a:t>5. In the interpreter, enter 'quit()'</a:t>
+            </a:r>
+          </a:p>
+          <a:p>
+            <a:r>
+              <a:rPr lang="en-US" dirty="0"/>
+              <a:t>6. In the command prompt, enter 'python3 atm_serv.py'</a:t>
+            </a:r>
+          </a:p>
+          <a:p>
+            <a:r>
+              <a:rPr lang="en-US" dirty="0"/>
+              <a:t>7. You should see the Flask app boot up in the command prompt window. Please note which port it's running at (likely 5000). Leave it running in this window.</a:t>
+            </a:r>
+          </a:p>
+          <a:p>
+            <a:r>
+              <a:rPr lang="en-US" dirty="0"/>
+              <a:t>8. In Visual Studio, navigate to </a:t>
+            </a:r>
+            <a:r>
+              <a:rPr lang="en-US" dirty="0" err="1"/>
+              <a:t>Default.aspx.cs</a:t>
+            </a:r>
+            <a:r>
+              <a:rPr lang="en-US" dirty="0"/>
+              <a:t>.</a:t>
+            </a:r>
+          </a:p>
+          <a:p>
+            <a:r>
+              <a:rPr lang="en-US" dirty="0"/>
+              <a:t>9. Change line 37 from  </a:t>
+            </a:r>
+            <a:br>
+              <a:rPr lang="en-US" dirty="0"/>
+            </a:br>
+            <a:r>
+              <a:rPr lang="en-US" dirty="0"/>
+              <a:t>   	</a:t>
+            </a:r>
+            <a:r>
+              <a:rPr lang="en-US" dirty="0" err="1"/>
+              <a:t>client.BaseAddress</a:t>
+            </a:r>
+            <a:r>
+              <a:rPr lang="en-US" dirty="0"/>
+              <a:t> = new Uri("</a:t>
+            </a:r>
+            <a:r>
+              <a:rPr lang="en-US" u="sng" dirty="0">
+                <a:hlinkClick r:id="rId2"/>
+              </a:rPr>
+              <a:t>https://atm-backend.herokuapp.com/</a:t>
+            </a:r>
+            <a:r>
+              <a:rPr lang="en-US" dirty="0"/>
+              <a:t>");</a:t>
+            </a:r>
+          </a:p>
+          <a:p>
+            <a:r>
+              <a:rPr lang="en-US" dirty="0"/>
+              <a:t>      to</a:t>
+            </a:r>
+          </a:p>
+          <a:p>
+            <a:r>
+              <a:rPr lang="en-US" dirty="0"/>
+              <a:t>      </a:t>
+            </a:r>
+            <a:r>
+              <a:rPr lang="en-US" dirty="0" err="1"/>
+              <a:t>client.BaseAddress</a:t>
+            </a:r>
+            <a:r>
+              <a:rPr lang="en-US" dirty="0"/>
+              <a:t> = new Uri("</a:t>
+            </a:r>
+            <a:r>
+              <a:rPr lang="en-US" u="sng" dirty="0">
+                <a:hlinkClick r:id="rId3"/>
+              </a:rPr>
+              <a:t>http://localhost</a:t>
+            </a:r>
+            <a:r>
+              <a:rPr lang="en-US" dirty="0"/>
+              <a:t>:&lt;port&gt;/");</a:t>
+            </a:r>
+          </a:p>
+          <a:p>
+            <a:r>
+              <a:rPr lang="en-US" dirty="0"/>
+              <a:t>       where &lt;port&gt; is the port number where your flask app is running (i.e. the </a:t>
+            </a:r>
+            <a:r>
+              <a:rPr lang="en-US" dirty="0" err="1"/>
+              <a:t>url</a:t>
+            </a:r>
+            <a:r>
+              <a:rPr lang="en-US" dirty="0"/>
+              <a:t> would be </a:t>
+            </a:r>
+            <a:r>
+              <a:rPr lang="en-US" u="sng" dirty="0">
+                <a:hlinkClick r:id="rId4"/>
+              </a:rPr>
+              <a:t>http://localhost:5000</a:t>
+            </a:r>
+            <a:r>
+              <a:rPr lang="en-US" dirty="0"/>
+              <a:t> if the app is running on port 5000).</a:t>
+            </a:r>
+          </a:p>
+          <a:p>
+            <a:r>
+              <a:rPr lang="en-US" dirty="0"/>
+              <a:t>10. Build and run the </a:t>
+            </a:r>
+            <a:r>
+              <a:rPr lang="en-US" dirty="0" err="1"/>
+              <a:t>webapp</a:t>
+            </a:r>
+            <a:r>
+              <a:rPr lang="en-US" dirty="0"/>
+              <a:t> as usual. You now have a persistent database.</a:t>
+            </a:r>
+          </a:p>
+          <a:p>
+            <a:endParaRPr lang="en-US" dirty="0"/>
+          </a:p>
+          <a:p>
+            <a:endParaRPr lang="en-US" dirty="0"/>
+          </a:p>
+        </p:txBody>
+      </p:sp>
+      <p:sp>
+        <p:nvSpPr>
+          <p:cNvPr id="3" name="Footer Placeholder 2">
+            <a:extLst>
+              <a:ext uri="{FF2B5EF4-FFF2-40B4-BE49-F238E27FC236}">
+                <a16:creationId xmlns:a16="http://schemas.microsoft.com/office/drawing/2014/main" id="{2DDAEA77-A3A3-41CF-9E79-38786B29C8AF}"/>
+              </a:ext>
+            </a:extLst>
+          </p:cNvPr>
+          <p:cNvSpPr>
+            <a:spLocks noGrp="1"/>
+          </p:cNvSpPr>
+          <p:nvPr>
+            <p:ph type="ftr" sz="quarter" idx="11"/>
+          </p:nvPr>
+        </p:nvSpPr>
+        <p:spPr/>
+        <p:txBody>
+          <a:bodyPr/>
+          <a:lstStyle/>
+          <a:p>
+            <a:r>
+              <a:rPr lang="en-US"/>
+              <a:t>Group Four</a:t>
+            </a:r>
+            <a:endParaRPr lang="en-US" dirty="0"/>
+          </a:p>
+        </p:txBody>
+      </p:sp>
+      <p:sp>
+        <p:nvSpPr>
+          <p:cNvPr id="4" name="Title 3">
+            <a:extLst>
+              <a:ext uri="{FF2B5EF4-FFF2-40B4-BE49-F238E27FC236}">
+                <a16:creationId xmlns:a16="http://schemas.microsoft.com/office/drawing/2014/main" id="{322072E9-14BE-47EB-86F1-3681179B12C9}"/>
+              </a:ext>
+            </a:extLst>
+          </p:cNvPr>
+          <p:cNvSpPr>
+            <a:spLocks noGrp="1"/>
+          </p:cNvSpPr>
+          <p:nvPr>
+            <p:ph type="title"/>
+          </p:nvPr>
+        </p:nvSpPr>
+        <p:spPr/>
+        <p:txBody>
+          <a:bodyPr/>
+          <a:lstStyle/>
+          <a:p>
+            <a:r>
+              <a:rPr lang="en-US" dirty="0"/>
+              <a:t>Persistent Database</a:t>
+            </a:r>
+          </a:p>
+        </p:txBody>
+      </p:sp>
+      <p:sp>
+        <p:nvSpPr>
+          <p:cNvPr id="5" name="Slide Number Placeholder 4">
+            <a:extLst>
+              <a:ext uri="{FF2B5EF4-FFF2-40B4-BE49-F238E27FC236}">
+                <a16:creationId xmlns:a16="http://schemas.microsoft.com/office/drawing/2014/main" id="{B31D6DDD-88BF-4A82-A17E-DD335331003E}"/>
+              </a:ext>
+            </a:extLst>
+          </p:cNvPr>
+          <p:cNvSpPr>
+            <a:spLocks noGrp="1"/>
+          </p:cNvSpPr>
+          <p:nvPr>
+            <p:ph type="sldNum" sz="quarter" idx="12"/>
+          </p:nvPr>
+        </p:nvSpPr>
+        <p:spPr/>
+        <p:txBody>
+          <a:bodyPr/>
+          <a:lstStyle/>
+          <a:p>
+            <a:fld id="{F2407EE3-A7AD-4D85-AA70-E0A9F1A7BE8D}" type="slidenum">
+              <a:rPr lang="en-US" smtClean="0"/>
+              <a:pPr/>
+              <a:t>7</a:t>
+            </a:fld>
+            <a:endParaRPr lang="en-US" dirty="0"/>
+          </a:p>
+        </p:txBody>
+      </p:sp>
+      <p:grpSp>
+        <p:nvGrpSpPr>
+          <p:cNvPr id="10" name="Group 89">
+            <a:extLst>
+              <a:ext uri="{FF2B5EF4-FFF2-40B4-BE49-F238E27FC236}">
+                <a16:creationId xmlns:a16="http://schemas.microsoft.com/office/drawing/2014/main" id="{0808CFC5-6272-4B7E-BBA4-BC4C3FBEAAA6}"/>
+              </a:ext>
+            </a:extLst>
+          </p:cNvPr>
+          <p:cNvGrpSpPr>
+            <a:grpSpLocks/>
+          </p:cNvGrpSpPr>
+          <p:nvPr/>
+        </p:nvGrpSpPr>
+        <p:grpSpPr bwMode="auto">
+          <a:xfrm>
+            <a:off x="7643747" y="320040"/>
+            <a:ext cx="1079599" cy="161925"/>
+            <a:chOff x="852" y="3385"/>
+            <a:chExt cx="906" cy="136"/>
+          </a:xfrm>
+          <a:solidFill>
+            <a:schemeClr val="accent2">
+              <a:lumMod val="75000"/>
+            </a:schemeClr>
+          </a:solidFill>
+        </p:grpSpPr>
+        <p:sp>
+          <p:nvSpPr>
+            <p:cNvPr id="11" name="AutoShape 90">
+              <a:extLst>
+                <a:ext uri="{FF2B5EF4-FFF2-40B4-BE49-F238E27FC236}">
+                  <a16:creationId xmlns:a16="http://schemas.microsoft.com/office/drawing/2014/main" id="{0BA8C6F5-E325-4CA7-A692-A51EE8E98842}"/>
+                </a:ext>
+              </a:extLst>
+            </p:cNvPr>
+            <p:cNvSpPr>
+              <a:spLocks noChangeArrowheads="1"/>
+            </p:cNvSpPr>
+            <p:nvPr/>
+          </p:nvSpPr>
+          <p:spPr bwMode="auto">
+            <a:xfrm>
+              <a:off x="1079" y="3385"/>
+              <a:ext cx="226" cy="136"/>
+            </a:xfrm>
+            <a:prstGeom prst="chevron">
+              <a:avLst>
+                <a:gd name="adj" fmla="val 41544"/>
+              </a:avLst>
+            </a:prstGeom>
+            <a:solidFill>
+              <a:schemeClr val="bg1"/>
+            </a:solidFill>
+            <a:ln w="6350" algn="ctr">
+              <a:solidFill>
+                <a:srgbClr val="002060"/>
+              </a:solidFill>
+              <a:miter lim="800000"/>
+              <a:headEnd type="none" w="sm" len="sm"/>
+              <a:tailEnd type="none" w="med" len="lg"/>
+            </a:ln>
+          </p:spPr>
+          <p:txBody>
+            <a:bodyPr tIns="68580" bIns="68580" anchor="ctr"/>
+            <a:lstStyle/>
+            <a:p>
+              <a:pPr algn="ctr">
+                <a:defRPr/>
+              </a:pPr>
+              <a:endParaRPr lang="en-GB" sz="1214" dirty="0"/>
+            </a:p>
+          </p:txBody>
+        </p:sp>
+        <p:sp>
+          <p:nvSpPr>
+            <p:cNvPr id="12" name="AutoShape 91">
+              <a:extLst>
+                <a:ext uri="{FF2B5EF4-FFF2-40B4-BE49-F238E27FC236}">
+                  <a16:creationId xmlns:a16="http://schemas.microsoft.com/office/drawing/2014/main" id="{A79C7063-35B9-4DBE-869E-04ACB1E0EB88}"/>
+                </a:ext>
+              </a:extLst>
+            </p:cNvPr>
+            <p:cNvSpPr>
+              <a:spLocks noChangeArrowheads="1"/>
+            </p:cNvSpPr>
+            <p:nvPr/>
+          </p:nvSpPr>
+          <p:spPr bwMode="auto">
+            <a:xfrm>
+              <a:off x="1306" y="3385"/>
+              <a:ext cx="225" cy="136"/>
+            </a:xfrm>
+            <a:prstGeom prst="chevron">
+              <a:avLst>
+                <a:gd name="adj" fmla="val 41544"/>
+              </a:avLst>
+            </a:prstGeom>
+            <a:solidFill>
+              <a:schemeClr val="bg1"/>
+            </a:solidFill>
+            <a:ln w="6350" algn="ctr">
+              <a:solidFill>
+                <a:srgbClr val="002060"/>
+              </a:solidFill>
+              <a:miter lim="800000"/>
+              <a:headEnd type="none" w="sm" len="sm"/>
+              <a:tailEnd type="none" w="med" len="lg"/>
+            </a:ln>
+          </p:spPr>
+          <p:txBody>
+            <a:bodyPr tIns="68580" bIns="68580" anchor="ctr"/>
+            <a:lstStyle/>
+            <a:p>
+              <a:pPr algn="ctr">
+                <a:defRPr/>
+              </a:pPr>
+              <a:endParaRPr lang="en-GB" sz="1214" dirty="0"/>
+            </a:p>
+          </p:txBody>
+        </p:sp>
+        <p:sp>
+          <p:nvSpPr>
+            <p:cNvPr id="13" name="AutoShape 92">
+              <a:extLst>
+                <a:ext uri="{FF2B5EF4-FFF2-40B4-BE49-F238E27FC236}">
+                  <a16:creationId xmlns:a16="http://schemas.microsoft.com/office/drawing/2014/main" id="{C43CB012-AEFD-4846-9A0C-FF415AFFFD98}"/>
+                </a:ext>
+              </a:extLst>
+            </p:cNvPr>
+            <p:cNvSpPr>
+              <a:spLocks noChangeArrowheads="1"/>
+            </p:cNvSpPr>
+            <p:nvPr/>
+          </p:nvSpPr>
+          <p:spPr bwMode="auto">
+            <a:xfrm>
+              <a:off x="1532" y="3385"/>
+              <a:ext cx="226" cy="136"/>
+            </a:xfrm>
+            <a:prstGeom prst="chevron">
+              <a:avLst>
+                <a:gd name="adj" fmla="val 41544"/>
+              </a:avLst>
+            </a:prstGeom>
+            <a:solidFill>
+              <a:schemeClr val="bg1"/>
+            </a:solidFill>
+            <a:ln w="6350" algn="ctr">
+              <a:solidFill>
+                <a:srgbClr val="002060"/>
+              </a:solidFill>
+              <a:miter lim="800000"/>
+              <a:headEnd type="none" w="sm" len="sm"/>
+              <a:tailEnd type="none" w="med" len="lg"/>
+            </a:ln>
+          </p:spPr>
+          <p:txBody>
+            <a:bodyPr tIns="68580" bIns="68580" anchor="ctr"/>
+            <a:lstStyle/>
+            <a:p>
+              <a:pPr algn="ctr">
+                <a:defRPr/>
+              </a:pPr>
+              <a:endParaRPr lang="en-GB" sz="1214" dirty="0"/>
+            </a:p>
+          </p:txBody>
+        </p:sp>
+        <p:sp>
+          <p:nvSpPr>
+            <p:cNvPr id="14" name="AutoShape 93">
+              <a:extLst>
+                <a:ext uri="{FF2B5EF4-FFF2-40B4-BE49-F238E27FC236}">
+                  <a16:creationId xmlns:a16="http://schemas.microsoft.com/office/drawing/2014/main" id="{5943A4D3-7B89-44F2-AFE9-B4973747B1A0}"/>
+                </a:ext>
+              </a:extLst>
+            </p:cNvPr>
+            <p:cNvSpPr>
+              <a:spLocks noChangeArrowheads="1"/>
+            </p:cNvSpPr>
+            <p:nvPr/>
+          </p:nvSpPr>
+          <p:spPr bwMode="auto">
+            <a:xfrm>
+              <a:off x="852" y="3385"/>
+              <a:ext cx="227" cy="136"/>
+            </a:xfrm>
+            <a:prstGeom prst="homePlate">
+              <a:avLst>
+                <a:gd name="adj" fmla="val 41728"/>
+              </a:avLst>
+            </a:prstGeom>
+            <a:solidFill>
+              <a:srgbClr val="002060"/>
+            </a:solidFill>
+            <a:ln w="6350" algn="ctr">
+              <a:solidFill>
+                <a:srgbClr val="002060"/>
+              </a:solidFill>
+              <a:miter lim="800000"/>
+              <a:headEnd type="none" w="sm" len="sm"/>
+              <a:tailEnd type="none" w="med" len="lg"/>
+            </a:ln>
+          </p:spPr>
+          <p:txBody>
+            <a:bodyPr tIns="68580" bIns="68580" anchor="ctr"/>
+            <a:lstStyle/>
+            <a:p>
+              <a:pPr algn="ctr">
+                <a:defRPr/>
+              </a:pPr>
+              <a:endParaRPr lang="en-GB" sz="1214" dirty="0"/>
+            </a:p>
+          </p:txBody>
+        </p:sp>
+      </p:grpSp>
+    </p:spTree>
+    <p:extLst>
+      <p:ext uri="{BB962C8B-B14F-4D97-AF65-F5344CB8AC3E}">
+        <p14:creationId xmlns:p14="http://schemas.microsoft.com/office/powerpoint/2010/main" val="1140682838"/>
+      </p:ext>
+    </p:extLst>
+  </p:cSld>
+  <p:clrMapOvr>
+    <a:masterClrMapping/>
+  </p:clrMapOvr>
+</p:sld>
+</file>
+
+<file path=ppt/slides/slide8.xml><?xml version="1.0" encoding="utf-8"?>
 <p:sld xmlns:a="http://schemas.openxmlformats.org/drawingml/2006/main" xmlns:r="http://schemas.openxmlformats.org/officeDocument/2006/relationships" xmlns:p="http://schemas.openxmlformats.org/presentationml/2006/main">
   <p:cSld>
     <p:spTree>
@@ -13713,7 +15644,7 @@
             <a:fld id="{F2407EE3-A7AD-4D85-AA70-E0A9F1A7BE8D}" type="slidenum">
               <a:rPr lang="en-US" smtClean="0"/>
               <a:pPr/>
-              <a:t>6</a:t>
+              <a:t>8</a:t>
             </a:fld>
             <a:endParaRPr lang="en-US" dirty="0"/>
           </a:p>
@@ -14002,7 +15933,7 @@
 </p:sld>
 </file>
 
-<file path=ppt/slides/slide7.xml><?xml version="1.0" encoding="utf-8"?>
+<file path=ppt/slides/slide9.xml><?xml version="1.0" encoding="utf-8"?>
 <p:sld xmlns:a="http://schemas.openxmlformats.org/drawingml/2006/main" xmlns:r="http://schemas.openxmlformats.org/officeDocument/2006/relationships" xmlns:p="http://schemas.openxmlformats.org/presentationml/2006/main">
   <p:cSld>
     <p:spTree>
@@ -14159,7 +16090,7 @@
             <a:fld id="{F2407EE3-A7AD-4D85-AA70-E0A9F1A7BE8D}" type="slidenum">
               <a:rPr lang="en-US" smtClean="0"/>
               <a:pPr/>
-              <a:t>7</a:t>
+              <a:t>9</a:t>
             </a:fld>
             <a:endParaRPr lang="en-US" dirty="0"/>
           </a:p>
@@ -14435,903 +16366,6 @@
     <p:extLst>
       <p:ext uri="{BB962C8B-B14F-4D97-AF65-F5344CB8AC3E}">
         <p14:creationId xmlns:p14="http://schemas.microsoft.com/office/powerpoint/2010/main" val="3349423696"/>
-      </p:ext>
-    </p:extLst>
-  </p:cSld>
-  <p:clrMapOvr>
-    <a:masterClrMapping/>
-  </p:clrMapOvr>
-</p:sld>
-</file>
-
-<file path=ppt/slides/slide8.xml><?xml version="1.0" encoding="utf-8"?>
-<p:sld xmlns:a="http://schemas.openxmlformats.org/drawingml/2006/main" xmlns:r="http://schemas.openxmlformats.org/officeDocument/2006/relationships" xmlns:p="http://schemas.openxmlformats.org/presentationml/2006/main">
-  <p:cSld>
-    <p:spTree>
-      <p:nvGrpSpPr>
-        <p:cNvPr id="1" name=""/>
-        <p:cNvGrpSpPr/>
-        <p:nvPr/>
-      </p:nvGrpSpPr>
-      <p:grpSpPr>
-        <a:xfrm>
-          <a:off x="0" y="0"/>
-          <a:ext cx="0" cy="0"/>
-          <a:chOff x="0" y="0"/>
-          <a:chExt cx="0" cy="0"/>
-        </a:xfrm>
-      </p:grpSpPr>
-      <p:sp>
-        <p:nvSpPr>
-          <p:cNvPr id="2" name="Content Placeholder 1">
-            <a:extLst>
-              <a:ext uri="{FF2B5EF4-FFF2-40B4-BE49-F238E27FC236}">
-                <a16:creationId xmlns:a16="http://schemas.microsoft.com/office/drawing/2014/main" id="{B5F4B677-C096-484A-8232-53D730D5819B}"/>
-              </a:ext>
-            </a:extLst>
-          </p:cNvPr>
-          <p:cNvSpPr>
-            <a:spLocks noGrp="1"/>
-          </p:cNvSpPr>
-          <p:nvPr>
-            <p:ph idx="1"/>
-          </p:nvPr>
-        </p:nvSpPr>
-        <p:spPr/>
-        <p:txBody>
-          <a:bodyPr/>
-          <a:lstStyle/>
-          <a:p>
-            <a:endParaRPr lang="en-US" dirty="0"/>
-          </a:p>
-          <a:p>
-            <a:r>
-              <a:rPr lang="en-US" dirty="0"/>
-              <a:t>After signing in, the</a:t>
-            </a:r>
-          </a:p>
-          <a:p>
-            <a:pPr marL="0" indent="0">
-              <a:buNone/>
-            </a:pPr>
-            <a:r>
-              <a:rPr lang="en-US" dirty="0"/>
-              <a:t>top banner will contain </a:t>
-            </a:r>
-          </a:p>
-          <a:p>
-            <a:pPr marL="0" indent="0">
-              <a:buNone/>
-            </a:pPr>
-            <a:r>
-              <a:rPr lang="en-US" dirty="0"/>
-              <a:t>the ATM bills in storage</a:t>
-            </a:r>
-          </a:p>
-          <a:p>
-            <a:pPr marL="0" indent="0">
-              <a:buNone/>
-            </a:pPr>
-            <a:r>
-              <a:rPr lang="en-US" dirty="0"/>
-              <a:t>and a logout button</a:t>
-            </a:r>
-          </a:p>
-          <a:p>
-            <a:r>
-              <a:rPr lang="en-US" dirty="0"/>
-              <a:t>The main interface </a:t>
-            </a:r>
-          </a:p>
-          <a:p>
-            <a:pPr marL="0" indent="0">
-              <a:buNone/>
-            </a:pPr>
-            <a:r>
-              <a:rPr lang="en-US" dirty="0"/>
-              <a:t>connects the user to </a:t>
-            </a:r>
-          </a:p>
-          <a:p>
-            <a:pPr marL="0" indent="0">
-              <a:buNone/>
-            </a:pPr>
-            <a:r>
-              <a:rPr lang="en-US" dirty="0"/>
-              <a:t>the main functionalities</a:t>
-            </a:r>
-          </a:p>
-          <a:p>
-            <a:pPr marL="0" indent="0">
-              <a:buNone/>
-            </a:pPr>
-            <a:r>
-              <a:rPr lang="en-US" dirty="0"/>
-              <a:t>of the ATM.</a:t>
-            </a:r>
-          </a:p>
-          <a:p>
-            <a:endParaRPr lang="en-US" dirty="0"/>
-          </a:p>
-          <a:p>
-            <a:pPr marL="0" indent="0">
-              <a:buNone/>
-            </a:pPr>
-            <a:endParaRPr lang="en-US" dirty="0"/>
-          </a:p>
-        </p:txBody>
-      </p:sp>
-      <p:sp>
-        <p:nvSpPr>
-          <p:cNvPr id="3" name="Footer Placeholder 2">
-            <a:extLst>
-              <a:ext uri="{FF2B5EF4-FFF2-40B4-BE49-F238E27FC236}">
-                <a16:creationId xmlns:a16="http://schemas.microsoft.com/office/drawing/2014/main" id="{82904DFD-F6ED-4D09-AD00-9957689A674C}"/>
-              </a:ext>
-            </a:extLst>
-          </p:cNvPr>
-          <p:cNvSpPr>
-            <a:spLocks noGrp="1"/>
-          </p:cNvSpPr>
-          <p:nvPr>
-            <p:ph type="ftr" sz="quarter" idx="11"/>
-          </p:nvPr>
-        </p:nvSpPr>
-        <p:spPr/>
-        <p:txBody>
-          <a:bodyPr/>
-          <a:lstStyle/>
-          <a:p>
-            <a:r>
-              <a:rPr lang="en-US"/>
-              <a:t>Group Four</a:t>
-            </a:r>
-            <a:endParaRPr lang="en-US" dirty="0"/>
-          </a:p>
-        </p:txBody>
-      </p:sp>
-      <p:sp>
-        <p:nvSpPr>
-          <p:cNvPr id="4" name="Title 3">
-            <a:extLst>
-              <a:ext uri="{FF2B5EF4-FFF2-40B4-BE49-F238E27FC236}">
-                <a16:creationId xmlns:a16="http://schemas.microsoft.com/office/drawing/2014/main" id="{49362256-95FC-42F8-B14E-A28E301EC875}"/>
-              </a:ext>
-            </a:extLst>
-          </p:cNvPr>
-          <p:cNvSpPr>
-            <a:spLocks noGrp="1"/>
-          </p:cNvSpPr>
-          <p:nvPr>
-            <p:ph type="title"/>
-          </p:nvPr>
-        </p:nvSpPr>
-        <p:spPr/>
-        <p:txBody>
-          <a:bodyPr/>
-          <a:lstStyle/>
-          <a:p>
-            <a:r>
-              <a:rPr lang="en-US" dirty="0"/>
-              <a:t>Main Interface</a:t>
-            </a:r>
-          </a:p>
-        </p:txBody>
-      </p:sp>
-      <p:sp>
-        <p:nvSpPr>
-          <p:cNvPr id="5" name="Slide Number Placeholder 4">
-            <a:extLst>
-              <a:ext uri="{FF2B5EF4-FFF2-40B4-BE49-F238E27FC236}">
-                <a16:creationId xmlns:a16="http://schemas.microsoft.com/office/drawing/2014/main" id="{F54E5DDE-8862-4CE2-9091-AD591B14AEE3}"/>
-              </a:ext>
-            </a:extLst>
-          </p:cNvPr>
-          <p:cNvSpPr>
-            <a:spLocks noGrp="1"/>
-          </p:cNvSpPr>
-          <p:nvPr>
-            <p:ph type="sldNum" sz="quarter" idx="12"/>
-          </p:nvPr>
-        </p:nvSpPr>
-        <p:spPr/>
-        <p:txBody>
-          <a:bodyPr/>
-          <a:lstStyle/>
-          <a:p>
-            <a:fld id="{F2407EE3-A7AD-4D85-AA70-E0A9F1A7BE8D}" type="slidenum">
-              <a:rPr lang="en-US" smtClean="0"/>
-              <a:pPr/>
-              <a:t>8</a:t>
-            </a:fld>
-            <a:endParaRPr lang="en-US" dirty="0"/>
-          </a:p>
-        </p:txBody>
-      </p:sp>
-      <p:pic>
-        <p:nvPicPr>
-          <p:cNvPr id="7" name="Picture 6">
-            <a:extLst>
-              <a:ext uri="{FF2B5EF4-FFF2-40B4-BE49-F238E27FC236}">
-                <a16:creationId xmlns:a16="http://schemas.microsoft.com/office/drawing/2014/main" id="{200681D3-4D5A-4D71-9086-382BA7FE0111}"/>
-              </a:ext>
-            </a:extLst>
-          </p:cNvPr>
-          <p:cNvPicPr/>
-          <p:nvPr/>
-        </p:nvPicPr>
-        <p:blipFill>
-          <a:blip r:embed="rId2"/>
-          <a:stretch>
-            <a:fillRect/>
-          </a:stretch>
-        </p:blipFill>
-        <p:spPr>
-          <a:xfrm>
-            <a:off x="3719071" y="1298602"/>
-            <a:ext cx="4771785" cy="3036456"/>
-          </a:xfrm>
-          <a:prstGeom prst="rect">
-            <a:avLst/>
-          </a:prstGeom>
-        </p:spPr>
-      </p:pic>
-      <p:pic>
-        <p:nvPicPr>
-          <p:cNvPr id="8" name="Picture 7">
-            <a:extLst>
-              <a:ext uri="{FF2B5EF4-FFF2-40B4-BE49-F238E27FC236}">
-                <a16:creationId xmlns:a16="http://schemas.microsoft.com/office/drawing/2014/main" id="{7301379D-2E0A-4F4C-A53D-CBE26D3073FB}"/>
-              </a:ext>
-            </a:extLst>
-          </p:cNvPr>
-          <p:cNvPicPr/>
-          <p:nvPr/>
-        </p:nvPicPr>
-        <p:blipFill rotWithShape="1">
-          <a:blip r:embed="rId3"/>
-          <a:srcRect b="15164"/>
-          <a:stretch/>
-        </p:blipFill>
-        <p:spPr>
-          <a:xfrm>
-            <a:off x="485335" y="808442"/>
-            <a:ext cx="7837713" cy="490160"/>
-          </a:xfrm>
-          <a:prstGeom prst="rect">
-            <a:avLst/>
-          </a:prstGeom>
-        </p:spPr>
-      </p:pic>
-      <p:grpSp>
-        <p:nvGrpSpPr>
-          <p:cNvPr id="9" name="Group 89">
-            <a:extLst>
-              <a:ext uri="{FF2B5EF4-FFF2-40B4-BE49-F238E27FC236}">
-                <a16:creationId xmlns:a16="http://schemas.microsoft.com/office/drawing/2014/main" id="{76B755F1-95F9-4277-9734-9CA2E0828CAD}"/>
-              </a:ext>
-            </a:extLst>
-          </p:cNvPr>
-          <p:cNvGrpSpPr>
-            <a:grpSpLocks/>
-          </p:cNvGrpSpPr>
-          <p:nvPr/>
-        </p:nvGrpSpPr>
-        <p:grpSpPr bwMode="auto">
-          <a:xfrm>
-            <a:off x="7643747" y="320040"/>
-            <a:ext cx="1079599" cy="161925"/>
-            <a:chOff x="852" y="3385"/>
-            <a:chExt cx="906" cy="136"/>
-          </a:xfrm>
-          <a:solidFill>
-            <a:schemeClr val="accent2">
-              <a:lumMod val="75000"/>
-            </a:schemeClr>
-          </a:solidFill>
-        </p:grpSpPr>
-        <p:sp>
-          <p:nvSpPr>
-            <p:cNvPr id="10" name="AutoShape 90">
-              <a:extLst>
-                <a:ext uri="{FF2B5EF4-FFF2-40B4-BE49-F238E27FC236}">
-                  <a16:creationId xmlns:a16="http://schemas.microsoft.com/office/drawing/2014/main" id="{AF74C720-BC31-4593-B1E9-FE0A2A749F3C}"/>
-                </a:ext>
-              </a:extLst>
-            </p:cNvPr>
-            <p:cNvSpPr>
-              <a:spLocks noChangeArrowheads="1"/>
-            </p:cNvSpPr>
-            <p:nvPr/>
-          </p:nvSpPr>
-          <p:spPr bwMode="auto">
-            <a:xfrm>
-              <a:off x="1079" y="3385"/>
-              <a:ext cx="226" cy="136"/>
-            </a:xfrm>
-            <a:prstGeom prst="chevron">
-              <a:avLst>
-                <a:gd name="adj" fmla="val 41544"/>
-              </a:avLst>
-            </a:prstGeom>
-            <a:solidFill>
-              <a:srgbClr val="002060"/>
-            </a:solidFill>
-            <a:ln w="6350" algn="ctr">
-              <a:solidFill>
-                <a:srgbClr val="002060"/>
-              </a:solidFill>
-              <a:miter lim="800000"/>
-              <a:headEnd type="none" w="sm" len="sm"/>
-              <a:tailEnd type="none" w="med" len="lg"/>
-            </a:ln>
-          </p:spPr>
-          <p:txBody>
-            <a:bodyPr tIns="68580" bIns="68580" anchor="ctr"/>
-            <a:lstStyle/>
-            <a:p>
-              <a:pPr algn="ctr">
-                <a:defRPr/>
-              </a:pPr>
-              <a:endParaRPr lang="en-GB" sz="1214" dirty="0"/>
-            </a:p>
-          </p:txBody>
-        </p:sp>
-        <p:sp>
-          <p:nvSpPr>
-            <p:cNvPr id="11" name="AutoShape 91">
-              <a:extLst>
-                <a:ext uri="{FF2B5EF4-FFF2-40B4-BE49-F238E27FC236}">
-                  <a16:creationId xmlns:a16="http://schemas.microsoft.com/office/drawing/2014/main" id="{81655CC4-6E16-4C77-B76A-CFD311303690}"/>
-                </a:ext>
-              </a:extLst>
-            </p:cNvPr>
-            <p:cNvSpPr>
-              <a:spLocks noChangeArrowheads="1"/>
-            </p:cNvSpPr>
-            <p:nvPr/>
-          </p:nvSpPr>
-          <p:spPr bwMode="auto">
-            <a:xfrm>
-              <a:off x="1306" y="3385"/>
-              <a:ext cx="225" cy="136"/>
-            </a:xfrm>
-            <a:prstGeom prst="chevron">
-              <a:avLst>
-                <a:gd name="adj" fmla="val 41544"/>
-              </a:avLst>
-            </a:prstGeom>
-            <a:noFill/>
-            <a:ln w="6350" algn="ctr">
-              <a:solidFill>
-                <a:srgbClr val="002060"/>
-              </a:solidFill>
-              <a:miter lim="800000"/>
-              <a:headEnd type="none" w="sm" len="sm"/>
-              <a:tailEnd type="none" w="med" len="lg"/>
-            </a:ln>
-          </p:spPr>
-          <p:txBody>
-            <a:bodyPr tIns="68580" bIns="68580" anchor="ctr"/>
-            <a:lstStyle/>
-            <a:p>
-              <a:pPr algn="ctr">
-                <a:defRPr/>
-              </a:pPr>
-              <a:endParaRPr lang="en-GB" sz="1214" dirty="0"/>
-            </a:p>
-          </p:txBody>
-        </p:sp>
-        <p:sp>
-          <p:nvSpPr>
-            <p:cNvPr id="12" name="AutoShape 92">
-              <a:extLst>
-                <a:ext uri="{FF2B5EF4-FFF2-40B4-BE49-F238E27FC236}">
-                  <a16:creationId xmlns:a16="http://schemas.microsoft.com/office/drawing/2014/main" id="{BEE1D449-8C48-4FD7-922C-3D02941252FD}"/>
-                </a:ext>
-              </a:extLst>
-            </p:cNvPr>
-            <p:cNvSpPr>
-              <a:spLocks noChangeArrowheads="1"/>
-            </p:cNvSpPr>
-            <p:nvPr/>
-          </p:nvSpPr>
-          <p:spPr bwMode="auto">
-            <a:xfrm>
-              <a:off x="1532" y="3385"/>
-              <a:ext cx="226" cy="136"/>
-            </a:xfrm>
-            <a:prstGeom prst="chevron">
-              <a:avLst>
-                <a:gd name="adj" fmla="val 41544"/>
-              </a:avLst>
-            </a:prstGeom>
-            <a:noFill/>
-            <a:ln w="6350" algn="ctr">
-              <a:solidFill>
-                <a:srgbClr val="002060"/>
-              </a:solidFill>
-              <a:miter lim="800000"/>
-              <a:headEnd type="none" w="sm" len="sm"/>
-              <a:tailEnd type="none" w="med" len="lg"/>
-            </a:ln>
-          </p:spPr>
-          <p:txBody>
-            <a:bodyPr tIns="68580" bIns="68580" anchor="ctr"/>
-            <a:lstStyle/>
-            <a:p>
-              <a:pPr algn="ctr">
-                <a:defRPr/>
-              </a:pPr>
-              <a:endParaRPr lang="en-GB" sz="1214" dirty="0"/>
-            </a:p>
-          </p:txBody>
-        </p:sp>
-        <p:sp>
-          <p:nvSpPr>
-            <p:cNvPr id="13" name="AutoShape 93">
-              <a:extLst>
-                <a:ext uri="{FF2B5EF4-FFF2-40B4-BE49-F238E27FC236}">
-                  <a16:creationId xmlns:a16="http://schemas.microsoft.com/office/drawing/2014/main" id="{73D03AC9-FE0D-4EC4-9649-286DED7EDD3D}"/>
-                </a:ext>
-              </a:extLst>
-            </p:cNvPr>
-            <p:cNvSpPr>
-              <a:spLocks noChangeArrowheads="1"/>
-            </p:cNvSpPr>
-            <p:nvPr/>
-          </p:nvSpPr>
-          <p:spPr bwMode="auto">
-            <a:xfrm>
-              <a:off x="852" y="3385"/>
-              <a:ext cx="227" cy="136"/>
-            </a:xfrm>
-            <a:prstGeom prst="homePlate">
-              <a:avLst>
-                <a:gd name="adj" fmla="val 41728"/>
-              </a:avLst>
-            </a:prstGeom>
-            <a:noFill/>
-            <a:ln w="6350" algn="ctr">
-              <a:solidFill>
-                <a:srgbClr val="002060"/>
-              </a:solidFill>
-              <a:miter lim="800000"/>
-              <a:headEnd type="none" w="sm" len="sm"/>
-              <a:tailEnd type="none" w="med" len="lg"/>
-            </a:ln>
-          </p:spPr>
-          <p:txBody>
-            <a:bodyPr tIns="68580" bIns="68580" anchor="ctr"/>
-            <a:lstStyle/>
-            <a:p>
-              <a:pPr algn="ctr">
-                <a:defRPr/>
-              </a:pPr>
-              <a:endParaRPr lang="en-GB" sz="1214" dirty="0"/>
-            </a:p>
-          </p:txBody>
-        </p:sp>
-      </p:grpSp>
-    </p:spTree>
-    <p:extLst>
-      <p:ext uri="{BB962C8B-B14F-4D97-AF65-F5344CB8AC3E}">
-        <p14:creationId xmlns:p14="http://schemas.microsoft.com/office/powerpoint/2010/main" val="366423059"/>
-      </p:ext>
-    </p:extLst>
-  </p:cSld>
-  <p:clrMapOvr>
-    <a:masterClrMapping/>
-  </p:clrMapOvr>
-</p:sld>
-</file>
-
-<file path=ppt/slides/slide9.xml><?xml version="1.0" encoding="utf-8"?>
-<p:sld xmlns:a="http://schemas.openxmlformats.org/drawingml/2006/main" xmlns:r="http://schemas.openxmlformats.org/officeDocument/2006/relationships" xmlns:p="http://schemas.openxmlformats.org/presentationml/2006/main">
-  <p:cSld>
-    <p:spTree>
-      <p:nvGrpSpPr>
-        <p:cNvPr id="1" name=""/>
-        <p:cNvGrpSpPr/>
-        <p:nvPr/>
-      </p:nvGrpSpPr>
-      <p:grpSpPr>
-        <a:xfrm>
-          <a:off x="0" y="0"/>
-          <a:ext cx="0" cy="0"/>
-          <a:chOff x="0" y="0"/>
-          <a:chExt cx="0" cy="0"/>
-        </a:xfrm>
-      </p:grpSpPr>
-      <p:sp>
-        <p:nvSpPr>
-          <p:cNvPr id="2" name="Content Placeholder 1">
-            <a:extLst>
-              <a:ext uri="{FF2B5EF4-FFF2-40B4-BE49-F238E27FC236}">
-                <a16:creationId xmlns:a16="http://schemas.microsoft.com/office/drawing/2014/main" id="{90B20DFC-F3EF-4C41-B3B9-B0B3C4331AF4}"/>
-              </a:ext>
-            </a:extLst>
-          </p:cNvPr>
-          <p:cNvSpPr>
-            <a:spLocks noGrp="1"/>
-          </p:cNvSpPr>
-          <p:nvPr>
-            <p:ph idx="1"/>
-          </p:nvPr>
-        </p:nvSpPr>
-        <p:spPr>
-          <a:xfrm>
-            <a:off x="300356" y="831187"/>
-            <a:ext cx="8191794" cy="3681081"/>
-          </a:xfrm>
-        </p:spPr>
-        <p:txBody>
-          <a:bodyPr/>
-          <a:lstStyle/>
-          <a:p>
-            <a:endParaRPr lang="en-US" dirty="0"/>
-          </a:p>
-          <a:p>
-            <a:endParaRPr lang="en-US" dirty="0"/>
-          </a:p>
-          <a:p>
-            <a:endParaRPr lang="en-US" dirty="0"/>
-          </a:p>
-          <a:p>
-            <a:endParaRPr lang="en-US" dirty="0"/>
-          </a:p>
-          <a:p>
-            <a:r>
-              <a:rPr lang="en-US" dirty="0"/>
-              <a:t>The user can view how much money is stored on their account here.</a:t>
-            </a:r>
-          </a:p>
-          <a:p>
-            <a:r>
-              <a:rPr lang="en-US" dirty="0"/>
-              <a:t>If the user wants to go back to the Main interface, click on </a:t>
-            </a:r>
-          </a:p>
-          <a:p>
-            <a:pPr marL="0" indent="0">
-              <a:buNone/>
-            </a:pPr>
-            <a:r>
-              <a:rPr lang="en-US" dirty="0"/>
-              <a:t>“Back”</a:t>
-            </a:r>
-          </a:p>
-        </p:txBody>
-      </p:sp>
-      <p:sp>
-        <p:nvSpPr>
-          <p:cNvPr id="3" name="Footer Placeholder 2">
-            <a:extLst>
-              <a:ext uri="{FF2B5EF4-FFF2-40B4-BE49-F238E27FC236}">
-                <a16:creationId xmlns:a16="http://schemas.microsoft.com/office/drawing/2014/main" id="{8B830685-77F0-45DD-8F72-024D77BEE8F5}"/>
-              </a:ext>
-            </a:extLst>
-          </p:cNvPr>
-          <p:cNvSpPr>
-            <a:spLocks noGrp="1"/>
-          </p:cNvSpPr>
-          <p:nvPr>
-            <p:ph type="ftr" sz="quarter" idx="11"/>
-          </p:nvPr>
-        </p:nvSpPr>
-        <p:spPr/>
-        <p:txBody>
-          <a:bodyPr/>
-          <a:lstStyle/>
-          <a:p>
-            <a:r>
-              <a:rPr lang="en-US"/>
-              <a:t>Group Four</a:t>
-            </a:r>
-            <a:endParaRPr lang="en-US" dirty="0"/>
-          </a:p>
-        </p:txBody>
-      </p:sp>
-      <p:sp>
-        <p:nvSpPr>
-          <p:cNvPr id="4" name="Title 3">
-            <a:extLst>
-              <a:ext uri="{FF2B5EF4-FFF2-40B4-BE49-F238E27FC236}">
-                <a16:creationId xmlns:a16="http://schemas.microsoft.com/office/drawing/2014/main" id="{0A6B2E9E-1396-4BDE-AB62-7DD81A15D3BC}"/>
-              </a:ext>
-            </a:extLst>
-          </p:cNvPr>
-          <p:cNvSpPr>
-            <a:spLocks noGrp="1"/>
-          </p:cNvSpPr>
-          <p:nvPr>
-            <p:ph type="title"/>
-          </p:nvPr>
-        </p:nvSpPr>
-        <p:spPr/>
-        <p:txBody>
-          <a:bodyPr/>
-          <a:lstStyle/>
-          <a:p>
-            <a:r>
-              <a:rPr lang="en-US" dirty="0"/>
-              <a:t>View Balance</a:t>
-            </a:r>
-          </a:p>
-        </p:txBody>
-      </p:sp>
-      <p:sp>
-        <p:nvSpPr>
-          <p:cNvPr id="5" name="Slide Number Placeholder 4">
-            <a:extLst>
-              <a:ext uri="{FF2B5EF4-FFF2-40B4-BE49-F238E27FC236}">
-                <a16:creationId xmlns:a16="http://schemas.microsoft.com/office/drawing/2014/main" id="{0F81496F-0B0C-42EC-8B4F-F14FD023D13C}"/>
-              </a:ext>
-            </a:extLst>
-          </p:cNvPr>
-          <p:cNvSpPr>
-            <a:spLocks noGrp="1"/>
-          </p:cNvSpPr>
-          <p:nvPr>
-            <p:ph type="sldNum" sz="quarter" idx="12"/>
-          </p:nvPr>
-        </p:nvSpPr>
-        <p:spPr/>
-        <p:txBody>
-          <a:bodyPr/>
-          <a:lstStyle/>
-          <a:p>
-            <a:fld id="{F2407EE3-A7AD-4D85-AA70-E0A9F1A7BE8D}" type="slidenum">
-              <a:rPr lang="en-US" smtClean="0"/>
-              <a:pPr/>
-              <a:t>9</a:t>
-            </a:fld>
-            <a:endParaRPr lang="en-US" dirty="0"/>
-          </a:p>
-        </p:txBody>
-      </p:sp>
-      <p:pic>
-        <p:nvPicPr>
-          <p:cNvPr id="7" name="Picture 6">
-            <a:extLst>
-              <a:ext uri="{FF2B5EF4-FFF2-40B4-BE49-F238E27FC236}">
-                <a16:creationId xmlns:a16="http://schemas.microsoft.com/office/drawing/2014/main" id="{F2122BE4-3125-4DE0-A74B-21E8232650D5}"/>
-              </a:ext>
-            </a:extLst>
-          </p:cNvPr>
-          <p:cNvPicPr/>
-          <p:nvPr/>
-        </p:nvPicPr>
-        <p:blipFill>
-          <a:blip r:embed="rId2"/>
-          <a:stretch>
-            <a:fillRect/>
-          </a:stretch>
-        </p:blipFill>
-        <p:spPr>
-          <a:xfrm>
-            <a:off x="457201" y="972160"/>
-            <a:ext cx="8034950" cy="1273175"/>
-          </a:xfrm>
-          <a:prstGeom prst="rect">
-            <a:avLst/>
-          </a:prstGeom>
-        </p:spPr>
-      </p:pic>
-      <p:grpSp>
-        <p:nvGrpSpPr>
-          <p:cNvPr id="8" name="Group 89">
-            <a:extLst>
-              <a:ext uri="{FF2B5EF4-FFF2-40B4-BE49-F238E27FC236}">
-                <a16:creationId xmlns:a16="http://schemas.microsoft.com/office/drawing/2014/main" id="{01746234-D2DD-4EE6-9055-C1BA343B5611}"/>
-              </a:ext>
-            </a:extLst>
-          </p:cNvPr>
-          <p:cNvGrpSpPr>
-            <a:grpSpLocks/>
-          </p:cNvGrpSpPr>
-          <p:nvPr/>
-        </p:nvGrpSpPr>
-        <p:grpSpPr bwMode="auto">
-          <a:xfrm>
-            <a:off x="7643747" y="320040"/>
-            <a:ext cx="1079599" cy="161925"/>
-            <a:chOff x="852" y="3385"/>
-            <a:chExt cx="906" cy="136"/>
-          </a:xfrm>
-          <a:solidFill>
-            <a:schemeClr val="accent2">
-              <a:lumMod val="75000"/>
-            </a:schemeClr>
-          </a:solidFill>
-        </p:grpSpPr>
-        <p:sp>
-          <p:nvSpPr>
-            <p:cNvPr id="9" name="AutoShape 90">
-              <a:extLst>
-                <a:ext uri="{FF2B5EF4-FFF2-40B4-BE49-F238E27FC236}">
-                  <a16:creationId xmlns:a16="http://schemas.microsoft.com/office/drawing/2014/main" id="{287C6521-D8E0-473C-ADEA-3C1C09D04B41}"/>
-                </a:ext>
-              </a:extLst>
-            </p:cNvPr>
-            <p:cNvSpPr>
-              <a:spLocks noChangeArrowheads="1"/>
-            </p:cNvSpPr>
-            <p:nvPr/>
-          </p:nvSpPr>
-          <p:spPr bwMode="auto">
-            <a:xfrm>
-              <a:off x="1079" y="3385"/>
-              <a:ext cx="226" cy="136"/>
-            </a:xfrm>
-            <a:prstGeom prst="chevron">
-              <a:avLst>
-                <a:gd name="adj" fmla="val 41544"/>
-              </a:avLst>
-            </a:prstGeom>
-            <a:solidFill>
-              <a:srgbClr val="002060"/>
-            </a:solidFill>
-            <a:ln w="6350" algn="ctr">
-              <a:solidFill>
-                <a:srgbClr val="002060"/>
-              </a:solidFill>
-              <a:miter lim="800000"/>
-              <a:headEnd type="none" w="sm" len="sm"/>
-              <a:tailEnd type="none" w="med" len="lg"/>
-            </a:ln>
-          </p:spPr>
-          <p:txBody>
-            <a:bodyPr tIns="68580" bIns="68580" anchor="ctr"/>
-            <a:lstStyle/>
-            <a:p>
-              <a:pPr algn="ctr">
-                <a:defRPr/>
-              </a:pPr>
-              <a:endParaRPr lang="en-GB" sz="1214" dirty="0"/>
-            </a:p>
-          </p:txBody>
-        </p:sp>
-        <p:sp>
-          <p:nvSpPr>
-            <p:cNvPr id="10" name="AutoShape 91">
-              <a:extLst>
-                <a:ext uri="{FF2B5EF4-FFF2-40B4-BE49-F238E27FC236}">
-                  <a16:creationId xmlns:a16="http://schemas.microsoft.com/office/drawing/2014/main" id="{12468DE9-0C62-481F-AD0D-F44122BB129D}"/>
-                </a:ext>
-              </a:extLst>
-            </p:cNvPr>
-            <p:cNvSpPr>
-              <a:spLocks noChangeArrowheads="1"/>
-            </p:cNvSpPr>
-            <p:nvPr/>
-          </p:nvSpPr>
-          <p:spPr bwMode="auto">
-            <a:xfrm>
-              <a:off x="1306" y="3385"/>
-              <a:ext cx="225" cy="136"/>
-            </a:xfrm>
-            <a:prstGeom prst="chevron">
-              <a:avLst>
-                <a:gd name="adj" fmla="val 41544"/>
-              </a:avLst>
-            </a:prstGeom>
-            <a:noFill/>
-            <a:ln w="6350" algn="ctr">
-              <a:solidFill>
-                <a:srgbClr val="002060"/>
-              </a:solidFill>
-              <a:miter lim="800000"/>
-              <a:headEnd type="none" w="sm" len="sm"/>
-              <a:tailEnd type="none" w="med" len="lg"/>
-            </a:ln>
-          </p:spPr>
-          <p:txBody>
-            <a:bodyPr tIns="68580" bIns="68580" anchor="ctr"/>
-            <a:lstStyle/>
-            <a:p>
-              <a:pPr algn="ctr">
-                <a:defRPr/>
-              </a:pPr>
-              <a:endParaRPr lang="en-GB" sz="1214" dirty="0"/>
-            </a:p>
-          </p:txBody>
-        </p:sp>
-        <p:sp>
-          <p:nvSpPr>
-            <p:cNvPr id="11" name="AutoShape 92">
-              <a:extLst>
-                <a:ext uri="{FF2B5EF4-FFF2-40B4-BE49-F238E27FC236}">
-                  <a16:creationId xmlns:a16="http://schemas.microsoft.com/office/drawing/2014/main" id="{4CD86977-A331-442E-AD65-E617F1C516E0}"/>
-                </a:ext>
-              </a:extLst>
-            </p:cNvPr>
-            <p:cNvSpPr>
-              <a:spLocks noChangeArrowheads="1"/>
-            </p:cNvSpPr>
-            <p:nvPr/>
-          </p:nvSpPr>
-          <p:spPr bwMode="auto">
-            <a:xfrm>
-              <a:off x="1532" y="3385"/>
-              <a:ext cx="226" cy="136"/>
-            </a:xfrm>
-            <a:prstGeom prst="chevron">
-              <a:avLst>
-                <a:gd name="adj" fmla="val 41544"/>
-              </a:avLst>
-            </a:prstGeom>
-            <a:noFill/>
-            <a:ln w="6350" algn="ctr">
-              <a:solidFill>
-                <a:srgbClr val="002060"/>
-              </a:solidFill>
-              <a:miter lim="800000"/>
-              <a:headEnd type="none" w="sm" len="sm"/>
-              <a:tailEnd type="none" w="med" len="lg"/>
-            </a:ln>
-          </p:spPr>
-          <p:txBody>
-            <a:bodyPr tIns="68580" bIns="68580" anchor="ctr"/>
-            <a:lstStyle/>
-            <a:p>
-              <a:pPr algn="ctr">
-                <a:defRPr/>
-              </a:pPr>
-              <a:endParaRPr lang="en-GB" sz="1214" dirty="0"/>
-            </a:p>
-          </p:txBody>
-        </p:sp>
-        <p:sp>
-          <p:nvSpPr>
-            <p:cNvPr id="12" name="AutoShape 93">
-              <a:extLst>
-                <a:ext uri="{FF2B5EF4-FFF2-40B4-BE49-F238E27FC236}">
-                  <a16:creationId xmlns:a16="http://schemas.microsoft.com/office/drawing/2014/main" id="{49859F33-BF72-4E6D-BF28-AE685A142261}"/>
-                </a:ext>
-              </a:extLst>
-            </p:cNvPr>
-            <p:cNvSpPr>
-              <a:spLocks noChangeArrowheads="1"/>
-            </p:cNvSpPr>
-            <p:nvPr/>
-          </p:nvSpPr>
-          <p:spPr bwMode="auto">
-            <a:xfrm>
-              <a:off x="852" y="3385"/>
-              <a:ext cx="227" cy="136"/>
-            </a:xfrm>
-            <a:prstGeom prst="homePlate">
-              <a:avLst>
-                <a:gd name="adj" fmla="val 41728"/>
-              </a:avLst>
-            </a:prstGeom>
-            <a:noFill/>
-            <a:ln w="6350" algn="ctr">
-              <a:solidFill>
-                <a:srgbClr val="002060"/>
-              </a:solidFill>
-              <a:miter lim="800000"/>
-              <a:headEnd type="none" w="sm" len="sm"/>
-              <a:tailEnd type="none" w="med" len="lg"/>
-            </a:ln>
-          </p:spPr>
-          <p:txBody>
-            <a:bodyPr tIns="68580" bIns="68580" anchor="ctr"/>
-            <a:lstStyle/>
-            <a:p>
-              <a:pPr algn="ctr">
-                <a:defRPr/>
-              </a:pPr>
-              <a:endParaRPr lang="en-GB" sz="1214" dirty="0"/>
-            </a:p>
-          </p:txBody>
-        </p:sp>
-      </p:grpSp>
-    </p:spTree>
-    <p:extLst>
-      <p:ext uri="{BB962C8B-B14F-4D97-AF65-F5344CB8AC3E}">
-        <p14:creationId xmlns:p14="http://schemas.microsoft.com/office/powerpoint/2010/main" val="2071473593"/>
       </p:ext>
     </p:extLst>
   </p:cSld>
